--- a/bytecode/bytecode.pptx
+++ b/bytecode/bytecode.pptx
@@ -5,7 +5,7 @@
     <p:sldMasterId id="2147483648" r:id="rId1"/>
   </p:sldMasterIdLst>
   <p:notesMasterIdLst>
-    <p:notesMasterId r:id="rId17"/>
+    <p:notesMasterId r:id="rId19"/>
   </p:notesMasterIdLst>
   <p:sldIdLst>
     <p:sldId id="259" r:id="rId3"/>
@@ -19,9 +19,11 @@
     <p:sldId id="327" r:id="rId11"/>
     <p:sldId id="328" r:id="rId12"/>
     <p:sldId id="330" r:id="rId13"/>
-    <p:sldId id="267" r:id="rId14"/>
-    <p:sldId id="276" r:id="rId15"/>
-    <p:sldId id="272" r:id="rId16"/>
+    <p:sldId id="334" r:id="rId14"/>
+    <p:sldId id="267" r:id="rId15"/>
+    <p:sldId id="276" r:id="rId16"/>
+    <p:sldId id="335" r:id="rId17"/>
+    <p:sldId id="272" r:id="rId18"/>
   </p:sldIdLst>
   <p:sldSz cx="12192000" cy="6858000"/>
   <p:notesSz cx="6858000" cy="9144000"/>
@@ -1943,7 +1945,7 @@
         <p:spPr>
           <a:xfrm>
             <a:off x="1041701" y="888752"/>
-            <a:ext cx="1849120" cy="368300"/>
+            <a:ext cx="2011680" cy="368300"/>
           </a:xfrm>
           <a:prstGeom prst="rect">
             <a:avLst/>
@@ -1956,20 +1958,8 @@
           <a:lstStyle/>
           <a:p>
             <a:r>
-              <a:rPr lang="en-US" altLang="zh-CN" dirty="0"/>
-              <a:t>cLass</a:t>
-            </a:r>
-            <a:r>
               <a:rPr lang="zh-CN" altLang="en-US" dirty="0"/>
-              <a:t>文件</a:t>
-            </a:r>
-            <a:r>
-              <a:rPr lang="zh-CN" altLang="en-US" dirty="0"/>
-              <a:t>介绍</a:t>
-            </a:r>
-            <a:r>
-              <a:rPr lang="zh-CN" altLang="en-US" dirty="0"/>
-              <a:t>：</a:t>
+              <a:t>查看字节码实例：</a:t>
             </a:r>
             <a:endParaRPr lang="zh-CN" altLang="en-US" dirty="0"/>
           </a:p>
@@ -1984,7 +1974,7 @@
         <p:spPr>
           <a:xfrm>
             <a:off x="950730" y="1466453"/>
-            <a:ext cx="8061831" cy="3446145"/>
+            <a:ext cx="8061831" cy="3999865"/>
           </a:xfrm>
           <a:prstGeom prst="rect">
             <a:avLst/>
@@ -2058,6 +2048,36 @@
           </a:p>
           <a:p>
             <a:endParaRPr dirty="0"/>
+          </a:p>
+          <a:p>
+            <a:r>
+              <a:rPr lang="zh-CN" dirty="0"/>
+              <a:t>使用</a:t>
+            </a:r>
+            <a:r>
+              <a:rPr lang="en-US" altLang="zh-CN" dirty="0"/>
+              <a:t>java</a:t>
+            </a:r>
+            <a:r>
+              <a:rPr lang="zh-CN" altLang="en-US" dirty="0"/>
+              <a:t>自带的</a:t>
+            </a:r>
+            <a:r>
+              <a:rPr lang="en-US" altLang="zh-CN" dirty="0"/>
+              <a:t>javap</a:t>
+            </a:r>
+            <a:r>
+              <a:rPr lang="zh-CN" altLang="en-US" dirty="0"/>
+              <a:t>，查看其字节码，命令如下：</a:t>
+            </a:r>
+            <a:endParaRPr lang="zh-CN" altLang="en-US" dirty="0"/>
+          </a:p>
+          <a:p>
+            <a:r>
+              <a:rPr lang="zh-CN" altLang="en-US" dirty="0"/>
+              <a:t>   javap -p -s -c -v byecodeTest.class</a:t>
+            </a:r>
+            <a:endParaRPr lang="zh-CN" altLang="en-US" dirty="0"/>
           </a:p>
         </p:txBody>
       </p:sp>
@@ -2100,6 +2120,124 @@
       </p:grpSpPr>
       <p:sp>
         <p:nvSpPr>
+          <p:cNvPr id="2" name="矩形 1"/>
+          <p:cNvSpPr/>
+          <p:nvPr/>
+        </p:nvSpPr>
+        <p:spPr>
+          <a:xfrm>
+            <a:off x="0" y="60523"/>
+            <a:ext cx="1979295" cy="306705"/>
+          </a:xfrm>
+          <a:prstGeom prst="rect">
+            <a:avLst/>
+          </a:prstGeom>
+        </p:spPr>
+        <p:txBody>
+          <a:bodyPr wrap="none">
+            <a:spAutoFit/>
+          </a:bodyPr>
+          <a:lstStyle/>
+          <a:p>
+            <a:r>
+              <a:rPr lang="en-US" altLang="zh-CN" sz="1400" b="1" dirty="0"/>
+              <a:t>PART ONE </a:t>
+            </a:r>
+            <a:r>
+              <a:rPr lang="zh-CN" altLang="en-US" sz="1400" b="1" dirty="0"/>
+              <a:t>字节码基础</a:t>
+            </a:r>
+            <a:endParaRPr lang="zh-CN" altLang="en-US" sz="1400" b="1" dirty="0"/>
+          </a:p>
+        </p:txBody>
+      </p:sp>
+      <p:pic>
+        <p:nvPicPr>
+          <p:cNvPr id="3" name="图片 2"/>
+          <p:cNvPicPr>
+            <a:picLocks noChangeAspect="1"/>
+          </p:cNvPicPr>
+          <p:nvPr/>
+        </p:nvPicPr>
+        <p:blipFill>
+          <a:blip r:embed="rId1"/>
+          <a:stretch>
+            <a:fillRect/>
+          </a:stretch>
+        </p:blipFill>
+        <p:spPr>
+          <a:xfrm>
+            <a:off x="294640" y="433070"/>
+            <a:ext cx="5679440" cy="6139815"/>
+          </a:xfrm>
+          <a:prstGeom prst="rect">
+            <a:avLst/>
+          </a:prstGeom>
+        </p:spPr>
+      </p:pic>
+      <p:pic>
+        <p:nvPicPr>
+          <p:cNvPr id="4" name="图片 3"/>
+          <p:cNvPicPr>
+            <a:picLocks noChangeAspect="1"/>
+          </p:cNvPicPr>
+          <p:nvPr/>
+        </p:nvPicPr>
+        <p:blipFill>
+          <a:blip r:embed="rId2"/>
+          <a:stretch>
+            <a:fillRect/>
+          </a:stretch>
+        </p:blipFill>
+        <p:spPr>
+          <a:xfrm>
+            <a:off x="6026150" y="433070"/>
+            <a:ext cx="5949950" cy="5991225"/>
+          </a:xfrm>
+          <a:prstGeom prst="rect">
+            <a:avLst/>
+          </a:prstGeom>
+        </p:spPr>
+      </p:pic>
+    </p:spTree>
+  </p:cSld>
+  <p:clrMapOvr>
+    <a:masterClrMapping/>
+  </p:clrMapOvr>
+  <mc:AlternateContent xmlns:mc="http://schemas.openxmlformats.org/markup-compatibility/2006">
+    <mc:Choice xmlns:p14="http://schemas.microsoft.com/office/powerpoint/2010/main" Requires="p14">
+      <p:transition spd="med" p14:dur="700">
+        <p:fade/>
+      </p:transition>
+    </mc:Choice>
+    <mc:Fallback>
+      <p:transition spd="med">
+        <p:fade/>
+      </p:transition>
+    </mc:Fallback>
+  </mc:AlternateContent>
+</p:sld>
+</file>
+
+<file path=ppt/slides/slide13.xml><?xml version="1.0" encoding="utf-8"?>
+<p:sld xmlns:a="http://schemas.openxmlformats.org/drawingml/2006/main" xmlns:r="http://schemas.openxmlformats.org/officeDocument/2006/relationships" xmlns:p="http://schemas.openxmlformats.org/presentationml/2006/main">
+  <p:cSld>
+    <p:spTree>
+      <p:nvGrpSpPr>
+        <p:cNvPr id="1" name=""/>
+        <p:cNvGrpSpPr/>
+        <p:nvPr/>
+      </p:nvGrpSpPr>
+      <p:grpSpPr>
+        <a:xfrm>
+          <a:off x="0" y="0"/>
+          <a:ext cx="0" cy="0"/>
+          <a:chOff x="0" y="0"/>
+          <a:chExt cx="0" cy="0"/>
+        </a:xfrm>
+      </p:grpSpPr>
+      <p:sp>
+        <p:nvSpPr>
           <p:cNvPr id="2" name="文本框 1"/>
           <p:cNvSpPr txBox="1"/>
           <p:nvPr/>
@@ -2148,7 +2286,7 @@
         <p:spPr>
           <a:xfrm>
             <a:off x="3936733" y="2417412"/>
-            <a:ext cx="4318534" cy="1173976"/>
+            <a:ext cx="4318534" cy="1291590"/>
           </a:xfrm>
           <a:prstGeom prst="rect">
             <a:avLst/>
@@ -2167,13 +2305,13 @@
               </a:lnSpc>
             </a:pPr>
             <a:r>
-              <a:rPr lang="zh-CN" altLang="en-US" sz="6000" dirty="0">
+              <a:rPr lang="zh-CN" altLang="zh-CN" sz="6000" dirty="0">
                 <a:latin typeface="+mj-lt"/>
                 <a:ea typeface="微软雅黑" panose="020B0503020204020204" charset="-122"/>
               </a:rPr>
-              <a:t>可行性分析</a:t>
-            </a:r>
-            <a:endParaRPr lang="zh-CN" altLang="en-US" sz="6000" dirty="0">
+              <a:t>字节码修改</a:t>
+            </a:r>
+            <a:endParaRPr lang="zh-CN" altLang="zh-CN" sz="6000" dirty="0">
               <a:latin typeface="+mj-lt"/>
               <a:ea typeface="微软雅黑" panose="020B0503020204020204" charset="-122"/>
             </a:endParaRPr>
@@ -2239,7 +2377,7 @@
 </p:sld>
 </file>
 
-<file path=ppt/slides/slide13.xml><?xml version="1.0" encoding="utf-8"?>
+<file path=ppt/slides/slide14.xml><?xml version="1.0" encoding="utf-8"?>
 <p:sld xmlns:a="http://schemas.openxmlformats.org/drawingml/2006/main" xmlns:r="http://schemas.openxmlformats.org/officeDocument/2006/relationships" xmlns:p="http://schemas.openxmlformats.org/presentationml/2006/main">
   <p:cSld>
     <p:spTree>
@@ -2265,7 +2403,7 @@
         <p:spPr>
           <a:xfrm>
             <a:off x="0" y="60523"/>
-            <a:ext cx="2054409" cy="307777"/>
+            <a:ext cx="2030095" cy="306705"/>
           </a:xfrm>
           <a:prstGeom prst="rect">
             <a:avLst/>
@@ -2283,7 +2421,7 @@
             </a:r>
             <a:r>
               <a:rPr lang="zh-CN" altLang="en-US" sz="1400" b="1" dirty="0"/>
-              <a:t>可行性分析</a:t>
+              <a:t>字节码修改</a:t>
             </a:r>
             <a:endParaRPr lang="zh-CN" altLang="en-US" sz="1400" b="1" dirty="0"/>
           </a:p>
@@ -3039,23 +3177,485 @@
       </p:grpSp>
       <p:sp>
         <p:nvSpPr>
-          <p:cNvPr id="23" name="椭圆 22"/>
+          <p:cNvPr id="121" name="矩形 120"/>
           <p:cNvSpPr/>
           <p:nvPr/>
         </p:nvSpPr>
         <p:spPr>
-          <a:xfrm flipH="1">
-            <a:off x="258956" y="2913040"/>
-            <a:ext cx="115146" cy="115146"/>
+          <a:xfrm>
+            <a:off x="1062806" y="2075930"/>
+            <a:ext cx="8021955" cy="2245360"/>
+          </a:xfrm>
+          <a:prstGeom prst="rect">
+            <a:avLst/>
+          </a:prstGeom>
+        </p:spPr>
+        <p:txBody>
+          <a:bodyPr wrap="none">
+            <a:spAutoFit/>
+          </a:bodyPr>
+          <a:lstStyle/>
+          <a:p>
+            <a:r>
+              <a:rPr lang="zh-CN" altLang="en-US" sz="2000" b="1" dirty="0"/>
+              <a:t>一般修改字节码可以在以下两种方式</a:t>
+            </a:r>
+            <a:endParaRPr lang="zh-CN" altLang="en-US" sz="2000" b="1" dirty="0"/>
+          </a:p>
+          <a:p>
+            <a:endParaRPr lang="zh-CN" altLang="en-US" sz="2000" b="1" dirty="0"/>
+          </a:p>
+          <a:p>
+            <a:r>
+              <a:rPr lang="en-US" altLang="zh-CN" sz="2000" b="1" dirty="0"/>
+              <a:t>1. </a:t>
+            </a:r>
+            <a:r>
+              <a:rPr lang="zh-CN" altLang="en-US" sz="2000" b="1" dirty="0"/>
+              <a:t>通过</a:t>
+            </a:r>
+            <a:r>
+              <a:rPr lang="en-US" altLang="zh-CN" sz="2000" b="1" dirty="0"/>
+              <a:t>javaagent </a:t>
+            </a:r>
+            <a:r>
+              <a:rPr lang="zh-CN" altLang="en-US" sz="2000" b="1" dirty="0"/>
+              <a:t>在类加载前 和 类加载后重新定义类，这种</a:t>
+            </a:r>
+            <a:endParaRPr lang="zh-CN" altLang="en-US" sz="2000" b="1" dirty="0"/>
+          </a:p>
+          <a:p>
+            <a:r>
+              <a:rPr lang="zh-CN" altLang="en-US" sz="2000" b="1" dirty="0"/>
+              <a:t>方式无侵入性</a:t>
+            </a:r>
+            <a:endParaRPr lang="zh-CN" altLang="en-US" sz="2000" b="1" dirty="0"/>
+          </a:p>
+          <a:p>
+            <a:endParaRPr lang="zh-CN" altLang="en-US" sz="2000" b="1" dirty="0"/>
+          </a:p>
+          <a:p>
+            <a:r>
+              <a:rPr lang="en-US" altLang="zh-CN" sz="2000" b="1" dirty="0"/>
+              <a:t>2. </a:t>
+            </a:r>
+            <a:r>
+              <a:rPr lang="zh-CN" altLang="en-US" sz="2000" b="1" dirty="0"/>
+              <a:t>在代码中修改后重新加载，因为</a:t>
+            </a:r>
+            <a:r>
+              <a:rPr lang="en-US" altLang="zh-CN" sz="2000" b="1" dirty="0"/>
+              <a:t>jvm</a:t>
+            </a:r>
+            <a:r>
+              <a:rPr lang="zh-CN" altLang="en-US" sz="2000" b="1" dirty="0"/>
+              <a:t>无法卸载类，所以需要通过一个</a:t>
+            </a:r>
+            <a:endParaRPr lang="zh-CN" altLang="en-US" sz="2000" b="1" dirty="0"/>
+          </a:p>
+          <a:p>
+            <a:r>
+              <a:rPr lang="zh-CN" altLang="en-US" sz="2000" b="1" dirty="0"/>
+              <a:t>统一的地方去获取新的类，类似</a:t>
+            </a:r>
+            <a:r>
+              <a:rPr lang="en-US" altLang="zh-CN" sz="2000" b="1" dirty="0"/>
+              <a:t>spring </a:t>
+            </a:r>
+            <a:r>
+              <a:rPr lang="zh-CN" altLang="en-US" sz="2000" b="1" dirty="0"/>
+              <a:t>的</a:t>
+            </a:r>
+            <a:r>
+              <a:rPr lang="en-US" altLang="zh-CN" sz="2000" b="1" dirty="0"/>
+              <a:t>BeanFactory</a:t>
+            </a:r>
+            <a:r>
+              <a:rPr lang="zh-CN" altLang="en-US" sz="2000" b="1" dirty="0"/>
+              <a:t> </a:t>
+            </a:r>
+            <a:endParaRPr lang="zh-CN" altLang="en-US" sz="2000" b="1" dirty="0"/>
+          </a:p>
+        </p:txBody>
+      </p:sp>
+      <p:grpSp>
+        <p:nvGrpSpPr>
+          <p:cNvPr id="4" name="组合 3"/>
+          <p:cNvGrpSpPr/>
+          <p:nvPr/>
+        </p:nvGrpSpPr>
+        <p:grpSpPr>
+          <a:xfrm>
+            <a:off x="910795" y="928946"/>
+            <a:ext cx="1681576" cy="509896"/>
+            <a:chOff x="888096" y="1000203"/>
+            <a:chExt cx="4259825" cy="944066"/>
+          </a:xfrm>
+        </p:grpSpPr>
+        <p:sp>
+          <p:nvSpPr>
+            <p:cNvPr id="7" name="矩形 6"/>
+            <p:cNvSpPr/>
+            <p:nvPr/>
+          </p:nvSpPr>
+          <p:spPr>
+            <a:xfrm>
+              <a:off x="911225" y="1045634"/>
+              <a:ext cx="4199467" cy="872066"/>
+            </a:xfrm>
+            <a:prstGeom prst="rect">
+              <a:avLst/>
+            </a:prstGeom>
+            <a:noFill/>
+            <a:ln>
+              <a:solidFill>
+                <a:schemeClr val="bg1">
+                  <a:lumMod val="75000"/>
+                </a:schemeClr>
+              </a:solidFill>
+            </a:ln>
+          </p:spPr>
+          <p:style>
+            <a:lnRef idx="2">
+              <a:schemeClr val="accent1">
+                <a:shade val="50000"/>
+              </a:schemeClr>
+            </a:lnRef>
+            <a:fillRef idx="1">
+              <a:schemeClr val="accent1"/>
+            </a:fillRef>
+            <a:effectRef idx="0">
+              <a:schemeClr val="accent1"/>
+            </a:effectRef>
+            <a:fontRef idx="minor">
+              <a:schemeClr val="lt1"/>
+            </a:fontRef>
+          </p:style>
+          <p:txBody>
+            <a:bodyPr rot="0" spcFirstLastPara="0" vertOverflow="overflow" horzOverflow="overflow" vert="horz" wrap="square" lIns="91440" tIns="45720" rIns="91440" bIns="45720" numCol="1" spcCol="0" rtlCol="0" fromWordArt="0" anchor="ctr" anchorCtr="0" forceAA="0" compatLnSpc="1">
+              <a:noAutofit/>
+            </a:bodyPr>
+            <a:p>
+              <a:pPr algn="ctr"/>
+              <a:endParaRPr lang="zh-CN" altLang="en-US"/>
+            </a:p>
+          </p:txBody>
+        </p:sp>
+        <p:sp>
+          <p:nvSpPr>
+            <p:cNvPr id="19" name="椭圆 18"/>
+            <p:cNvSpPr/>
+            <p:nvPr/>
+          </p:nvSpPr>
+          <p:spPr>
+            <a:xfrm>
+              <a:off x="888096" y="1000203"/>
+              <a:ext cx="72000" cy="72000"/>
+            </a:xfrm>
+            <a:prstGeom prst="ellipse">
+              <a:avLst/>
+            </a:prstGeom>
+            <a:solidFill>
+              <a:schemeClr val="tx1">
+                <a:lumMod val="65000"/>
+                <a:lumOff val="35000"/>
+              </a:schemeClr>
+            </a:solidFill>
+            <a:ln>
+              <a:noFill/>
+            </a:ln>
+          </p:spPr>
+          <p:style>
+            <a:lnRef idx="2">
+              <a:schemeClr val="accent1">
+                <a:shade val="50000"/>
+              </a:schemeClr>
+            </a:lnRef>
+            <a:fillRef idx="1">
+              <a:schemeClr val="accent1"/>
+            </a:fillRef>
+            <a:effectRef idx="0">
+              <a:schemeClr val="accent1"/>
+            </a:effectRef>
+            <a:fontRef idx="minor">
+              <a:schemeClr val="lt1"/>
+            </a:fontRef>
+          </p:style>
+          <p:txBody>
+            <a:bodyPr rot="0" spcFirstLastPara="0" vertOverflow="overflow" horzOverflow="overflow" vert="horz" wrap="square" lIns="91440" tIns="45720" rIns="91440" bIns="45720" numCol="1" spcCol="0" rtlCol="0" fromWordArt="0" anchor="ctr" anchorCtr="0" forceAA="0" compatLnSpc="1">
+              <a:noAutofit/>
+            </a:bodyPr>
+            <a:p>
+              <a:pPr algn="ctr"/>
+              <a:endParaRPr lang="zh-CN" altLang="en-US"/>
+            </a:p>
+          </p:txBody>
+        </p:sp>
+        <p:sp>
+          <p:nvSpPr>
+            <p:cNvPr id="21" name="椭圆 20"/>
+            <p:cNvSpPr/>
+            <p:nvPr/>
+          </p:nvSpPr>
+          <p:spPr>
+            <a:xfrm>
+              <a:off x="888096" y="1872269"/>
+              <a:ext cx="72000" cy="72000"/>
+            </a:xfrm>
+            <a:prstGeom prst="ellipse">
+              <a:avLst/>
+            </a:prstGeom>
+            <a:solidFill>
+              <a:schemeClr val="tx1">
+                <a:lumMod val="65000"/>
+                <a:lumOff val="35000"/>
+              </a:schemeClr>
+            </a:solidFill>
+            <a:ln>
+              <a:noFill/>
+            </a:ln>
+          </p:spPr>
+          <p:style>
+            <a:lnRef idx="2">
+              <a:schemeClr val="accent1">
+                <a:shade val="50000"/>
+              </a:schemeClr>
+            </a:lnRef>
+            <a:fillRef idx="1">
+              <a:schemeClr val="accent1"/>
+            </a:fillRef>
+            <a:effectRef idx="0">
+              <a:schemeClr val="accent1"/>
+            </a:effectRef>
+            <a:fontRef idx="minor">
+              <a:schemeClr val="lt1"/>
+            </a:fontRef>
+          </p:style>
+          <p:txBody>
+            <a:bodyPr rot="0" spcFirstLastPara="0" vertOverflow="overflow" horzOverflow="overflow" vert="horz" wrap="square" lIns="91440" tIns="45720" rIns="91440" bIns="45720" numCol="1" spcCol="0" rtlCol="0" fromWordArt="0" anchor="ctr" anchorCtr="0" forceAA="0" compatLnSpc="1">
+              <a:noAutofit/>
+            </a:bodyPr>
+            <a:p>
+              <a:pPr algn="ctr"/>
+              <a:endParaRPr lang="zh-CN" altLang="en-US"/>
+            </a:p>
+          </p:txBody>
+        </p:sp>
+        <p:sp>
+          <p:nvSpPr>
+            <p:cNvPr id="36" name="椭圆 35"/>
+            <p:cNvSpPr/>
+            <p:nvPr/>
+          </p:nvSpPr>
+          <p:spPr>
+            <a:xfrm>
+              <a:off x="5075921" y="1872269"/>
+              <a:ext cx="72000" cy="72000"/>
+            </a:xfrm>
+            <a:prstGeom prst="ellipse">
+              <a:avLst/>
+            </a:prstGeom>
+            <a:solidFill>
+              <a:schemeClr val="tx1">
+                <a:lumMod val="65000"/>
+                <a:lumOff val="35000"/>
+              </a:schemeClr>
+            </a:solidFill>
+            <a:ln>
+              <a:noFill/>
+            </a:ln>
+          </p:spPr>
+          <p:style>
+            <a:lnRef idx="2">
+              <a:schemeClr val="accent1">
+                <a:shade val="50000"/>
+              </a:schemeClr>
+            </a:lnRef>
+            <a:fillRef idx="1">
+              <a:schemeClr val="accent1"/>
+            </a:fillRef>
+            <a:effectRef idx="0">
+              <a:schemeClr val="accent1"/>
+            </a:effectRef>
+            <a:fontRef idx="minor">
+              <a:schemeClr val="lt1"/>
+            </a:fontRef>
+          </p:style>
+          <p:txBody>
+            <a:bodyPr rot="0" spcFirstLastPara="0" vertOverflow="overflow" horzOverflow="overflow" vert="horz" wrap="square" lIns="91440" tIns="45720" rIns="91440" bIns="45720" numCol="1" spcCol="0" rtlCol="0" fromWordArt="0" anchor="ctr" anchorCtr="0" forceAA="0" compatLnSpc="1">
+              <a:noAutofit/>
+            </a:bodyPr>
+            <a:p>
+              <a:pPr algn="ctr"/>
+              <a:endParaRPr lang="zh-CN" altLang="en-US"/>
+            </a:p>
+          </p:txBody>
+        </p:sp>
+        <p:sp>
+          <p:nvSpPr>
+            <p:cNvPr id="37" name="椭圆 36"/>
+            <p:cNvSpPr/>
+            <p:nvPr/>
+          </p:nvSpPr>
+          <p:spPr>
+            <a:xfrm>
+              <a:off x="5074692" y="1009634"/>
+              <a:ext cx="72000" cy="72000"/>
+            </a:xfrm>
+            <a:prstGeom prst="ellipse">
+              <a:avLst/>
+            </a:prstGeom>
+            <a:solidFill>
+              <a:schemeClr val="tx1">
+                <a:lumMod val="65000"/>
+                <a:lumOff val="35000"/>
+              </a:schemeClr>
+            </a:solidFill>
+            <a:ln>
+              <a:noFill/>
+            </a:ln>
+          </p:spPr>
+          <p:style>
+            <a:lnRef idx="2">
+              <a:schemeClr val="accent1">
+                <a:shade val="50000"/>
+              </a:schemeClr>
+            </a:lnRef>
+            <a:fillRef idx="1">
+              <a:schemeClr val="accent1"/>
+            </a:fillRef>
+            <a:effectRef idx="0">
+              <a:schemeClr val="accent1"/>
+            </a:effectRef>
+            <a:fontRef idx="minor">
+              <a:schemeClr val="lt1"/>
+            </a:fontRef>
+          </p:style>
+          <p:txBody>
+            <a:bodyPr rot="0" spcFirstLastPara="0" vertOverflow="overflow" horzOverflow="overflow" vert="horz" wrap="square" lIns="91440" tIns="45720" rIns="91440" bIns="45720" numCol="1" spcCol="0" rtlCol="0" fromWordArt="0" anchor="ctr" anchorCtr="0" forceAA="0" compatLnSpc="1">
+              <a:noAutofit/>
+            </a:bodyPr>
+            <a:p>
+              <a:pPr algn="ctr"/>
+              <a:endParaRPr lang="zh-CN" altLang="en-US"/>
+            </a:p>
+          </p:txBody>
+        </p:sp>
+      </p:grpSp>
+      <p:sp>
+        <p:nvSpPr>
+          <p:cNvPr id="38" name="矩形 37"/>
+          <p:cNvSpPr/>
+          <p:nvPr/>
+        </p:nvSpPr>
+        <p:spPr>
+          <a:xfrm>
+            <a:off x="1041701" y="1004322"/>
+            <a:ext cx="1554480" cy="368300"/>
+          </a:xfrm>
+          <a:prstGeom prst="rect">
+            <a:avLst/>
+          </a:prstGeom>
+        </p:spPr>
+        <p:txBody>
+          <a:bodyPr wrap="none">
+            <a:spAutoFit/>
+          </a:bodyPr>
+          <a:p>
+            <a:r>
+              <a:rPr lang="zh-CN" altLang="en-US" dirty="0"/>
+              <a:t>字节码修改：</a:t>
+            </a:r>
+            <a:endParaRPr lang="zh-CN" altLang="en-US" dirty="0"/>
+          </a:p>
+        </p:txBody>
+      </p:sp>
+    </p:spTree>
+  </p:cSld>
+  <p:clrMapOvr>
+    <a:masterClrMapping/>
+  </p:clrMapOvr>
+  <mc:AlternateContent xmlns:mc="http://schemas.openxmlformats.org/markup-compatibility/2006">
+    <mc:Choice xmlns:p14="http://schemas.microsoft.com/office/powerpoint/2010/main" Requires="p14">
+      <p:transition spd="med" p14:dur="700">
+        <p:fade/>
+      </p:transition>
+    </mc:Choice>
+    <mc:Fallback>
+      <p:transition spd="med">
+        <p:fade/>
+      </p:transition>
+    </mc:Fallback>
+  </mc:AlternateContent>
+</p:sld>
+</file>
+
+<file path=ppt/slides/slide15.xml><?xml version="1.0" encoding="utf-8"?>
+<p:sld xmlns:a="http://schemas.openxmlformats.org/drawingml/2006/main" xmlns:r="http://schemas.openxmlformats.org/officeDocument/2006/relationships" xmlns:p="http://schemas.openxmlformats.org/presentationml/2006/main">
+  <p:cSld>
+    <p:spTree>
+      <p:nvGrpSpPr>
+        <p:cNvPr id="1" name=""/>
+        <p:cNvGrpSpPr/>
+        <p:nvPr/>
+      </p:nvGrpSpPr>
+      <p:grpSpPr>
+        <a:xfrm>
+          <a:off x="0" y="0"/>
+          <a:ext cx="0" cy="0"/>
+          <a:chOff x="0" y="0"/>
+          <a:chExt cx="0" cy="0"/>
+        </a:xfrm>
+      </p:grpSpPr>
+      <p:sp>
+        <p:nvSpPr>
+          <p:cNvPr id="2" name="矩形 1"/>
+          <p:cNvSpPr/>
+          <p:nvPr/>
+        </p:nvSpPr>
+        <p:spPr>
+          <a:xfrm>
+            <a:off x="0" y="60523"/>
+            <a:ext cx="2030095" cy="306705"/>
+          </a:xfrm>
+          <a:prstGeom prst="rect">
+            <a:avLst/>
+          </a:prstGeom>
+        </p:spPr>
+        <p:txBody>
+          <a:bodyPr wrap="none">
+            <a:spAutoFit/>
+          </a:bodyPr>
+          <a:lstStyle/>
+          <a:p>
+            <a:r>
+              <a:rPr lang="en-US" altLang="zh-CN" sz="1400" b="1" dirty="0"/>
+              <a:t>PART TWO </a:t>
+            </a:r>
+            <a:r>
+              <a:rPr lang="zh-CN" altLang="en-US" sz="1400" b="1" dirty="0"/>
+              <a:t>字节码修改</a:t>
+            </a:r>
+            <a:endParaRPr lang="zh-CN" altLang="en-US" sz="1400" b="1" dirty="0"/>
+          </a:p>
+        </p:txBody>
+      </p:sp>
+      <p:sp>
+        <p:nvSpPr>
+          <p:cNvPr id="3" name="椭圆 2"/>
+          <p:cNvSpPr/>
+          <p:nvPr/>
+        </p:nvSpPr>
+        <p:spPr>
+          <a:xfrm>
+            <a:off x="2067703" y="157740"/>
+            <a:ext cx="130917" cy="113341"/>
           </a:xfrm>
           <a:prstGeom prst="ellipse">
             <a:avLst/>
           </a:prstGeom>
           <a:solidFill>
-            <a:schemeClr val="tx1">
-              <a:lumMod val="65000"/>
-              <a:lumOff val="35000"/>
-            </a:schemeClr>
+            <a:srgbClr val="FFC000"/>
           </a:solidFill>
           <a:ln>
             <a:noFill/>
@@ -3078,1125 +3678,99 @@
           </a:fontRef>
         </p:style>
         <p:txBody>
-          <a:bodyPr rtlCol="0" anchor="ctr"/>
+          <a:bodyPr rot="0" spcFirstLastPara="0" vertOverflow="overflow" horzOverflow="overflow" vert="horz" wrap="square" lIns="91440" tIns="45720" rIns="91440" bIns="45720" numCol="1" spcCol="0" rtlCol="0" fromWordArt="0" anchor="ctr" anchorCtr="0" forceAA="0" compatLnSpc="1">
+            <a:noAutofit/>
+          </a:bodyPr>
           <a:lstStyle/>
           <a:p>
             <a:pPr algn="ctr"/>
-            <a:endParaRPr lang="zh-CN" altLang="en-US"/>
-          </a:p>
-        </p:txBody>
-      </p:sp>
-      <p:sp>
-        <p:nvSpPr>
-          <p:cNvPr id="24" name="椭圆 23"/>
-          <p:cNvSpPr/>
-          <p:nvPr/>
-        </p:nvSpPr>
-        <p:spPr>
-          <a:xfrm flipH="1">
-            <a:off x="787152" y="3823548"/>
-            <a:ext cx="115146" cy="115146"/>
-          </a:xfrm>
-          <a:prstGeom prst="ellipse">
-            <a:avLst/>
-          </a:prstGeom>
-          <a:solidFill>
-            <a:schemeClr val="tx1">
-              <a:lumMod val="65000"/>
-              <a:lumOff val="35000"/>
-            </a:schemeClr>
-          </a:solidFill>
-          <a:ln>
-            <a:noFill/>
-          </a:ln>
-        </p:spPr>
-        <p:style>
-          <a:lnRef idx="2">
-            <a:schemeClr val="accent1">
-              <a:shade val="50000"/>
-            </a:schemeClr>
-          </a:lnRef>
-          <a:fillRef idx="1">
-            <a:schemeClr val="accent1"/>
-          </a:fillRef>
-          <a:effectRef idx="0">
-            <a:schemeClr val="accent1"/>
-          </a:effectRef>
-          <a:fontRef idx="minor">
-            <a:schemeClr val="lt1"/>
-          </a:fontRef>
-        </p:style>
-        <p:txBody>
-          <a:bodyPr rtlCol="0" anchor="ctr"/>
-          <a:lstStyle/>
-          <a:p>
-            <a:pPr algn="ctr"/>
-            <a:endParaRPr lang="zh-CN" altLang="en-US"/>
-          </a:p>
-        </p:txBody>
-      </p:sp>
-      <p:sp>
-        <p:nvSpPr>
-          <p:cNvPr id="25" name="椭圆 24"/>
-          <p:cNvSpPr/>
-          <p:nvPr/>
-        </p:nvSpPr>
-        <p:spPr>
-          <a:xfrm flipH="1">
-            <a:off x="1320800" y="2908300"/>
-            <a:ext cx="115146" cy="115146"/>
-          </a:xfrm>
-          <a:prstGeom prst="ellipse">
-            <a:avLst/>
-          </a:prstGeom>
-          <a:solidFill>
-            <a:schemeClr val="tx1">
-              <a:lumMod val="65000"/>
-              <a:lumOff val="35000"/>
-            </a:schemeClr>
-          </a:solidFill>
-          <a:ln>
-            <a:noFill/>
-          </a:ln>
-        </p:spPr>
-        <p:style>
-          <a:lnRef idx="2">
-            <a:schemeClr val="accent1">
-              <a:shade val="50000"/>
-            </a:schemeClr>
-          </a:lnRef>
-          <a:fillRef idx="1">
-            <a:schemeClr val="accent1"/>
-          </a:fillRef>
-          <a:effectRef idx="0">
-            <a:schemeClr val="accent1"/>
-          </a:effectRef>
-          <a:fontRef idx="minor">
-            <a:schemeClr val="lt1"/>
-          </a:fontRef>
-        </p:style>
-        <p:txBody>
-          <a:bodyPr rtlCol="0" anchor="ctr"/>
-          <a:lstStyle/>
-          <a:p>
-            <a:pPr algn="ctr"/>
-            <a:endParaRPr lang="zh-CN" altLang="en-US"/>
-          </a:p>
-        </p:txBody>
-      </p:sp>
-      <p:sp>
-        <p:nvSpPr>
-          <p:cNvPr id="26" name="椭圆 25"/>
-          <p:cNvSpPr/>
-          <p:nvPr/>
-        </p:nvSpPr>
-        <p:spPr>
-          <a:xfrm flipH="1">
-            <a:off x="2387600" y="2908300"/>
-            <a:ext cx="115146" cy="115146"/>
-          </a:xfrm>
-          <a:prstGeom prst="ellipse">
-            <a:avLst/>
-          </a:prstGeom>
-          <a:solidFill>
-            <a:schemeClr val="tx1">
-              <a:lumMod val="65000"/>
-              <a:lumOff val="35000"/>
-            </a:schemeClr>
-          </a:solidFill>
-          <a:ln>
-            <a:noFill/>
-          </a:ln>
-        </p:spPr>
-        <p:style>
-          <a:lnRef idx="2">
-            <a:schemeClr val="accent1">
-              <a:shade val="50000"/>
-            </a:schemeClr>
-          </a:lnRef>
-          <a:fillRef idx="1">
-            <a:schemeClr val="accent1"/>
-          </a:fillRef>
-          <a:effectRef idx="0">
-            <a:schemeClr val="accent1"/>
-          </a:effectRef>
-          <a:fontRef idx="minor">
-            <a:schemeClr val="lt1"/>
-          </a:fontRef>
-        </p:style>
-        <p:txBody>
-          <a:bodyPr rtlCol="0" anchor="ctr"/>
-          <a:lstStyle/>
-          <a:p>
-            <a:pPr algn="ctr"/>
-            <a:endParaRPr lang="zh-CN" altLang="en-US"/>
-          </a:p>
-        </p:txBody>
-      </p:sp>
-      <p:sp>
-        <p:nvSpPr>
-          <p:cNvPr id="27" name="椭圆 26"/>
-          <p:cNvSpPr/>
-          <p:nvPr/>
-        </p:nvSpPr>
-        <p:spPr>
-          <a:xfrm flipH="1">
-            <a:off x="3454400" y="2908300"/>
-            <a:ext cx="115146" cy="115146"/>
-          </a:xfrm>
-          <a:prstGeom prst="ellipse">
-            <a:avLst/>
-          </a:prstGeom>
-          <a:solidFill>
-            <a:schemeClr val="tx1">
-              <a:lumMod val="65000"/>
-              <a:lumOff val="35000"/>
-            </a:schemeClr>
-          </a:solidFill>
-          <a:ln>
-            <a:noFill/>
-          </a:ln>
-        </p:spPr>
-        <p:style>
-          <a:lnRef idx="2">
-            <a:schemeClr val="accent1">
-              <a:shade val="50000"/>
-            </a:schemeClr>
-          </a:lnRef>
-          <a:fillRef idx="1">
-            <a:schemeClr val="accent1"/>
-          </a:fillRef>
-          <a:effectRef idx="0">
-            <a:schemeClr val="accent1"/>
-          </a:effectRef>
-          <a:fontRef idx="minor">
-            <a:schemeClr val="lt1"/>
-          </a:fontRef>
-        </p:style>
-        <p:txBody>
-          <a:bodyPr rtlCol="0" anchor="ctr"/>
-          <a:lstStyle/>
-          <a:p>
-            <a:pPr algn="ctr"/>
-            <a:endParaRPr lang="zh-CN" altLang="en-US"/>
-          </a:p>
-        </p:txBody>
-      </p:sp>
-      <p:sp>
-        <p:nvSpPr>
-          <p:cNvPr id="28" name="椭圆 27"/>
-          <p:cNvSpPr/>
-          <p:nvPr/>
-        </p:nvSpPr>
-        <p:spPr>
-          <a:xfrm flipH="1">
-            <a:off x="4521200" y="2908300"/>
-            <a:ext cx="115146" cy="115146"/>
-          </a:xfrm>
-          <a:prstGeom prst="ellipse">
-            <a:avLst/>
-          </a:prstGeom>
-          <a:solidFill>
-            <a:schemeClr val="tx1">
-              <a:lumMod val="65000"/>
-              <a:lumOff val="35000"/>
-            </a:schemeClr>
-          </a:solidFill>
-          <a:ln>
-            <a:noFill/>
-          </a:ln>
-        </p:spPr>
-        <p:style>
-          <a:lnRef idx="2">
-            <a:schemeClr val="accent1">
-              <a:shade val="50000"/>
-            </a:schemeClr>
-          </a:lnRef>
-          <a:fillRef idx="1">
-            <a:schemeClr val="accent1"/>
-          </a:fillRef>
-          <a:effectRef idx="0">
-            <a:schemeClr val="accent1"/>
-          </a:effectRef>
-          <a:fontRef idx="minor">
-            <a:schemeClr val="lt1"/>
-          </a:fontRef>
-        </p:style>
-        <p:txBody>
-          <a:bodyPr rtlCol="0" anchor="ctr"/>
-          <a:lstStyle/>
-          <a:p>
-            <a:pPr algn="ctr"/>
-            <a:endParaRPr lang="zh-CN" altLang="en-US"/>
-          </a:p>
-        </p:txBody>
-      </p:sp>
-      <p:sp>
-        <p:nvSpPr>
-          <p:cNvPr id="29" name="椭圆 28"/>
-          <p:cNvSpPr/>
-          <p:nvPr/>
-        </p:nvSpPr>
-        <p:spPr>
-          <a:xfrm flipH="1">
-            <a:off x="5588000" y="2908300"/>
-            <a:ext cx="115146" cy="115146"/>
-          </a:xfrm>
-          <a:prstGeom prst="ellipse">
-            <a:avLst/>
-          </a:prstGeom>
-          <a:solidFill>
-            <a:schemeClr val="tx1">
-              <a:lumMod val="65000"/>
-              <a:lumOff val="35000"/>
-            </a:schemeClr>
-          </a:solidFill>
-          <a:ln>
-            <a:noFill/>
-          </a:ln>
-        </p:spPr>
-        <p:style>
-          <a:lnRef idx="2">
-            <a:schemeClr val="accent1">
-              <a:shade val="50000"/>
-            </a:schemeClr>
-          </a:lnRef>
-          <a:fillRef idx="1">
-            <a:schemeClr val="accent1"/>
-          </a:fillRef>
-          <a:effectRef idx="0">
-            <a:schemeClr val="accent1"/>
-          </a:effectRef>
-          <a:fontRef idx="minor">
-            <a:schemeClr val="lt1"/>
-          </a:fontRef>
-        </p:style>
-        <p:txBody>
-          <a:bodyPr rtlCol="0" anchor="ctr"/>
-          <a:lstStyle/>
-          <a:p>
-            <a:pPr algn="ctr"/>
-            <a:endParaRPr lang="zh-CN" altLang="en-US"/>
-          </a:p>
-        </p:txBody>
-      </p:sp>
-      <p:sp>
-        <p:nvSpPr>
-          <p:cNvPr id="30" name="椭圆 29"/>
-          <p:cNvSpPr/>
-          <p:nvPr/>
-        </p:nvSpPr>
-        <p:spPr>
-          <a:xfrm flipH="1">
-            <a:off x="6654800" y="2908300"/>
-            <a:ext cx="115146" cy="115146"/>
-          </a:xfrm>
-          <a:prstGeom prst="ellipse">
-            <a:avLst/>
-          </a:prstGeom>
-          <a:solidFill>
-            <a:schemeClr val="tx1">
-              <a:lumMod val="65000"/>
-              <a:lumOff val="35000"/>
-            </a:schemeClr>
-          </a:solidFill>
-          <a:ln>
-            <a:noFill/>
-          </a:ln>
-        </p:spPr>
-        <p:style>
-          <a:lnRef idx="2">
-            <a:schemeClr val="accent1">
-              <a:shade val="50000"/>
-            </a:schemeClr>
-          </a:lnRef>
-          <a:fillRef idx="1">
-            <a:schemeClr val="accent1"/>
-          </a:fillRef>
-          <a:effectRef idx="0">
-            <a:schemeClr val="accent1"/>
-          </a:effectRef>
-          <a:fontRef idx="minor">
-            <a:schemeClr val="lt1"/>
-          </a:fontRef>
-        </p:style>
-        <p:txBody>
-          <a:bodyPr rtlCol="0" anchor="ctr"/>
-          <a:lstStyle/>
-          <a:p>
-            <a:pPr algn="ctr"/>
-            <a:endParaRPr lang="zh-CN" altLang="en-US"/>
-          </a:p>
-        </p:txBody>
-      </p:sp>
-      <p:sp>
-        <p:nvSpPr>
-          <p:cNvPr id="31" name="椭圆 30"/>
-          <p:cNvSpPr/>
-          <p:nvPr/>
-        </p:nvSpPr>
-        <p:spPr>
-          <a:xfrm flipH="1">
-            <a:off x="7721600" y="2908300"/>
-            <a:ext cx="115146" cy="115146"/>
-          </a:xfrm>
-          <a:prstGeom prst="ellipse">
-            <a:avLst/>
-          </a:prstGeom>
-          <a:solidFill>
-            <a:schemeClr val="tx1">
-              <a:lumMod val="65000"/>
-              <a:lumOff val="35000"/>
-            </a:schemeClr>
-          </a:solidFill>
-          <a:ln>
-            <a:noFill/>
-          </a:ln>
-        </p:spPr>
-        <p:style>
-          <a:lnRef idx="2">
-            <a:schemeClr val="accent1">
-              <a:shade val="50000"/>
-            </a:schemeClr>
-          </a:lnRef>
-          <a:fillRef idx="1">
-            <a:schemeClr val="accent1"/>
-          </a:fillRef>
-          <a:effectRef idx="0">
-            <a:schemeClr val="accent1"/>
-          </a:effectRef>
-          <a:fontRef idx="minor">
-            <a:schemeClr val="lt1"/>
-          </a:fontRef>
-        </p:style>
-        <p:txBody>
-          <a:bodyPr rtlCol="0" anchor="ctr"/>
-          <a:lstStyle/>
-          <a:p>
-            <a:pPr algn="ctr"/>
-            <a:endParaRPr lang="zh-CN" altLang="en-US"/>
-          </a:p>
-        </p:txBody>
-      </p:sp>
-      <p:sp>
-        <p:nvSpPr>
-          <p:cNvPr id="32" name="椭圆 31"/>
-          <p:cNvSpPr/>
-          <p:nvPr/>
-        </p:nvSpPr>
-        <p:spPr>
-          <a:xfrm flipH="1">
-            <a:off x="8788400" y="2908300"/>
-            <a:ext cx="115146" cy="115146"/>
-          </a:xfrm>
-          <a:prstGeom prst="ellipse">
-            <a:avLst/>
-          </a:prstGeom>
-          <a:solidFill>
-            <a:schemeClr val="tx1">
-              <a:lumMod val="65000"/>
-              <a:lumOff val="35000"/>
-            </a:schemeClr>
-          </a:solidFill>
-          <a:ln>
-            <a:noFill/>
-          </a:ln>
-        </p:spPr>
-        <p:style>
-          <a:lnRef idx="2">
-            <a:schemeClr val="accent1">
-              <a:shade val="50000"/>
-            </a:schemeClr>
-          </a:lnRef>
-          <a:fillRef idx="1">
-            <a:schemeClr val="accent1"/>
-          </a:fillRef>
-          <a:effectRef idx="0">
-            <a:schemeClr val="accent1"/>
-          </a:effectRef>
-          <a:fontRef idx="minor">
-            <a:schemeClr val="lt1"/>
-          </a:fontRef>
-        </p:style>
-        <p:txBody>
-          <a:bodyPr rtlCol="0" anchor="ctr"/>
-          <a:lstStyle/>
-          <a:p>
-            <a:pPr algn="ctr"/>
-            <a:endParaRPr lang="zh-CN" altLang="en-US"/>
-          </a:p>
-        </p:txBody>
-      </p:sp>
-      <p:sp>
-        <p:nvSpPr>
-          <p:cNvPr id="33" name="椭圆 32"/>
-          <p:cNvSpPr/>
-          <p:nvPr/>
-        </p:nvSpPr>
-        <p:spPr>
-          <a:xfrm flipH="1">
-            <a:off x="9855200" y="2908300"/>
-            <a:ext cx="115146" cy="115146"/>
-          </a:xfrm>
-          <a:prstGeom prst="ellipse">
-            <a:avLst/>
-          </a:prstGeom>
-          <a:solidFill>
-            <a:schemeClr val="tx1">
-              <a:lumMod val="65000"/>
-              <a:lumOff val="35000"/>
-            </a:schemeClr>
-          </a:solidFill>
-          <a:ln>
-            <a:noFill/>
-          </a:ln>
-        </p:spPr>
-        <p:style>
-          <a:lnRef idx="2">
-            <a:schemeClr val="accent1">
-              <a:shade val="50000"/>
-            </a:schemeClr>
-          </a:lnRef>
-          <a:fillRef idx="1">
-            <a:schemeClr val="accent1"/>
-          </a:fillRef>
-          <a:effectRef idx="0">
-            <a:schemeClr val="accent1"/>
-          </a:effectRef>
-          <a:fontRef idx="minor">
-            <a:schemeClr val="lt1"/>
-          </a:fontRef>
-        </p:style>
-        <p:txBody>
-          <a:bodyPr rtlCol="0" anchor="ctr"/>
-          <a:lstStyle/>
-          <a:p>
-            <a:pPr algn="ctr"/>
-            <a:endParaRPr lang="zh-CN" altLang="en-US"/>
-          </a:p>
-        </p:txBody>
-      </p:sp>
-      <p:sp>
-        <p:nvSpPr>
-          <p:cNvPr id="34" name="椭圆 33"/>
-          <p:cNvSpPr/>
-          <p:nvPr/>
-        </p:nvSpPr>
-        <p:spPr>
-          <a:xfrm flipH="1">
-            <a:off x="10922000" y="2908300"/>
-            <a:ext cx="115146" cy="115146"/>
-          </a:xfrm>
-          <a:prstGeom prst="ellipse">
-            <a:avLst/>
-          </a:prstGeom>
-          <a:solidFill>
-            <a:schemeClr val="tx1">
-              <a:lumMod val="65000"/>
-              <a:lumOff val="35000"/>
-            </a:schemeClr>
-          </a:solidFill>
-          <a:ln>
-            <a:noFill/>
-          </a:ln>
-        </p:spPr>
-        <p:style>
-          <a:lnRef idx="2">
-            <a:schemeClr val="accent1">
-              <a:shade val="50000"/>
-            </a:schemeClr>
-          </a:lnRef>
-          <a:fillRef idx="1">
-            <a:schemeClr val="accent1"/>
-          </a:fillRef>
-          <a:effectRef idx="0">
-            <a:schemeClr val="accent1"/>
-          </a:effectRef>
-          <a:fontRef idx="minor">
-            <a:schemeClr val="lt1"/>
-          </a:fontRef>
-        </p:style>
-        <p:txBody>
-          <a:bodyPr rtlCol="0" anchor="ctr"/>
-          <a:lstStyle/>
-          <a:p>
-            <a:pPr algn="ctr"/>
-            <a:endParaRPr lang="zh-CN" altLang="en-US"/>
-          </a:p>
-        </p:txBody>
-      </p:sp>
-      <p:sp>
-        <p:nvSpPr>
-          <p:cNvPr id="35" name="椭圆 34"/>
-          <p:cNvSpPr/>
-          <p:nvPr/>
-        </p:nvSpPr>
-        <p:spPr>
-          <a:xfrm flipH="1">
-            <a:off x="11988800" y="2908300"/>
-            <a:ext cx="115146" cy="115146"/>
-          </a:xfrm>
-          <a:prstGeom prst="ellipse">
-            <a:avLst/>
-          </a:prstGeom>
-          <a:solidFill>
-            <a:schemeClr val="tx1">
-              <a:lumMod val="65000"/>
-              <a:lumOff val="35000"/>
-            </a:schemeClr>
-          </a:solidFill>
-          <a:ln>
-            <a:noFill/>
-          </a:ln>
-        </p:spPr>
-        <p:style>
-          <a:lnRef idx="2">
-            <a:schemeClr val="accent1">
-              <a:shade val="50000"/>
-            </a:schemeClr>
-          </a:lnRef>
-          <a:fillRef idx="1">
-            <a:schemeClr val="accent1"/>
-          </a:fillRef>
-          <a:effectRef idx="0">
-            <a:schemeClr val="accent1"/>
-          </a:effectRef>
-          <a:fontRef idx="minor">
-            <a:schemeClr val="lt1"/>
-          </a:fontRef>
-        </p:style>
-        <p:txBody>
-          <a:bodyPr rtlCol="0" anchor="ctr"/>
-          <a:lstStyle/>
-          <a:p>
-            <a:pPr algn="ctr"/>
-            <a:endParaRPr lang="zh-CN" altLang="en-US"/>
-          </a:p>
-        </p:txBody>
-      </p:sp>
-      <p:sp>
-        <p:nvSpPr>
-          <p:cNvPr id="47" name="椭圆 46"/>
-          <p:cNvSpPr/>
-          <p:nvPr/>
-        </p:nvSpPr>
-        <p:spPr>
-          <a:xfrm flipH="1">
-            <a:off x="1854200" y="3822700"/>
-            <a:ext cx="115146" cy="115146"/>
-          </a:xfrm>
-          <a:prstGeom prst="ellipse">
-            <a:avLst/>
-          </a:prstGeom>
-          <a:solidFill>
-            <a:schemeClr val="tx1">
-              <a:lumMod val="65000"/>
-              <a:lumOff val="35000"/>
-            </a:schemeClr>
-          </a:solidFill>
-          <a:ln>
-            <a:noFill/>
-          </a:ln>
-        </p:spPr>
-        <p:style>
-          <a:lnRef idx="2">
-            <a:schemeClr val="accent1">
-              <a:shade val="50000"/>
-            </a:schemeClr>
-          </a:lnRef>
-          <a:fillRef idx="1">
-            <a:schemeClr val="accent1"/>
-          </a:fillRef>
-          <a:effectRef idx="0">
-            <a:schemeClr val="accent1"/>
-          </a:effectRef>
-          <a:fontRef idx="minor">
-            <a:schemeClr val="lt1"/>
-          </a:fontRef>
-        </p:style>
-        <p:txBody>
-          <a:bodyPr rtlCol="0" anchor="ctr"/>
-          <a:lstStyle/>
-          <a:p>
-            <a:pPr algn="ctr"/>
-            <a:endParaRPr lang="zh-CN" altLang="en-US"/>
-          </a:p>
-        </p:txBody>
-      </p:sp>
-      <p:sp>
-        <p:nvSpPr>
-          <p:cNvPr id="48" name="椭圆 47"/>
-          <p:cNvSpPr/>
-          <p:nvPr/>
-        </p:nvSpPr>
-        <p:spPr>
-          <a:xfrm flipH="1">
-            <a:off x="2921000" y="3822700"/>
-            <a:ext cx="115146" cy="115146"/>
-          </a:xfrm>
-          <a:prstGeom prst="ellipse">
-            <a:avLst/>
-          </a:prstGeom>
-          <a:solidFill>
-            <a:schemeClr val="tx1">
-              <a:lumMod val="65000"/>
-              <a:lumOff val="35000"/>
-            </a:schemeClr>
-          </a:solidFill>
-          <a:ln>
-            <a:noFill/>
-          </a:ln>
-        </p:spPr>
-        <p:style>
-          <a:lnRef idx="2">
-            <a:schemeClr val="accent1">
-              <a:shade val="50000"/>
-            </a:schemeClr>
-          </a:lnRef>
-          <a:fillRef idx="1">
-            <a:schemeClr val="accent1"/>
-          </a:fillRef>
-          <a:effectRef idx="0">
-            <a:schemeClr val="accent1"/>
-          </a:effectRef>
-          <a:fontRef idx="minor">
-            <a:schemeClr val="lt1"/>
-          </a:fontRef>
-        </p:style>
-        <p:txBody>
-          <a:bodyPr rtlCol="0" anchor="ctr"/>
-          <a:lstStyle/>
-          <a:p>
-            <a:pPr algn="ctr"/>
-            <a:endParaRPr lang="zh-CN" altLang="en-US"/>
-          </a:p>
-        </p:txBody>
-      </p:sp>
-      <p:sp>
-        <p:nvSpPr>
-          <p:cNvPr id="49" name="椭圆 48"/>
-          <p:cNvSpPr/>
-          <p:nvPr/>
-        </p:nvSpPr>
-        <p:spPr>
-          <a:xfrm flipH="1">
-            <a:off x="3987800" y="3822700"/>
-            <a:ext cx="115146" cy="115146"/>
-          </a:xfrm>
-          <a:prstGeom prst="ellipse">
-            <a:avLst/>
-          </a:prstGeom>
-          <a:solidFill>
-            <a:schemeClr val="tx1">
-              <a:lumMod val="65000"/>
-              <a:lumOff val="35000"/>
-            </a:schemeClr>
-          </a:solidFill>
-          <a:ln>
-            <a:noFill/>
-          </a:ln>
-        </p:spPr>
-        <p:style>
-          <a:lnRef idx="2">
-            <a:schemeClr val="accent1">
-              <a:shade val="50000"/>
-            </a:schemeClr>
-          </a:lnRef>
-          <a:fillRef idx="1">
-            <a:schemeClr val="accent1"/>
-          </a:fillRef>
-          <a:effectRef idx="0">
-            <a:schemeClr val="accent1"/>
-          </a:effectRef>
-          <a:fontRef idx="minor">
-            <a:schemeClr val="lt1"/>
-          </a:fontRef>
-        </p:style>
-        <p:txBody>
-          <a:bodyPr rtlCol="0" anchor="ctr"/>
-          <a:lstStyle/>
-          <a:p>
-            <a:pPr algn="ctr"/>
-            <a:endParaRPr lang="zh-CN" altLang="en-US"/>
-          </a:p>
-        </p:txBody>
-      </p:sp>
-      <p:sp>
-        <p:nvSpPr>
-          <p:cNvPr id="50" name="椭圆 49"/>
-          <p:cNvSpPr/>
-          <p:nvPr/>
-        </p:nvSpPr>
-        <p:spPr>
-          <a:xfrm flipH="1">
-            <a:off x="5054600" y="3822700"/>
-            <a:ext cx="115146" cy="115146"/>
-          </a:xfrm>
-          <a:prstGeom prst="ellipse">
-            <a:avLst/>
-          </a:prstGeom>
-          <a:solidFill>
-            <a:schemeClr val="tx1">
-              <a:lumMod val="65000"/>
-              <a:lumOff val="35000"/>
-            </a:schemeClr>
-          </a:solidFill>
-          <a:ln>
-            <a:noFill/>
-          </a:ln>
-        </p:spPr>
-        <p:style>
-          <a:lnRef idx="2">
-            <a:schemeClr val="accent1">
-              <a:shade val="50000"/>
-            </a:schemeClr>
-          </a:lnRef>
-          <a:fillRef idx="1">
-            <a:schemeClr val="accent1"/>
-          </a:fillRef>
-          <a:effectRef idx="0">
-            <a:schemeClr val="accent1"/>
-          </a:effectRef>
-          <a:fontRef idx="minor">
-            <a:schemeClr val="lt1"/>
-          </a:fontRef>
-        </p:style>
-        <p:txBody>
-          <a:bodyPr rtlCol="0" anchor="ctr"/>
-          <a:lstStyle/>
-          <a:p>
-            <a:pPr algn="ctr"/>
-            <a:endParaRPr lang="zh-CN" altLang="en-US"/>
-          </a:p>
-        </p:txBody>
-      </p:sp>
-      <p:sp>
-        <p:nvSpPr>
-          <p:cNvPr id="51" name="椭圆 50"/>
-          <p:cNvSpPr/>
-          <p:nvPr/>
-        </p:nvSpPr>
-        <p:spPr>
-          <a:xfrm flipH="1">
-            <a:off x="6121400" y="3822700"/>
-            <a:ext cx="115146" cy="115146"/>
-          </a:xfrm>
-          <a:prstGeom prst="ellipse">
-            <a:avLst/>
-          </a:prstGeom>
-          <a:solidFill>
-            <a:schemeClr val="tx1">
-              <a:lumMod val="65000"/>
-              <a:lumOff val="35000"/>
-            </a:schemeClr>
-          </a:solidFill>
-          <a:ln>
-            <a:noFill/>
-          </a:ln>
-        </p:spPr>
-        <p:style>
-          <a:lnRef idx="2">
-            <a:schemeClr val="accent1">
-              <a:shade val="50000"/>
-            </a:schemeClr>
-          </a:lnRef>
-          <a:fillRef idx="1">
-            <a:schemeClr val="accent1"/>
-          </a:fillRef>
-          <a:effectRef idx="0">
-            <a:schemeClr val="accent1"/>
-          </a:effectRef>
-          <a:fontRef idx="minor">
-            <a:schemeClr val="lt1"/>
-          </a:fontRef>
-        </p:style>
-        <p:txBody>
-          <a:bodyPr rtlCol="0" anchor="ctr"/>
-          <a:lstStyle/>
-          <a:p>
-            <a:pPr algn="ctr"/>
-            <a:endParaRPr lang="zh-CN" altLang="en-US"/>
-          </a:p>
-        </p:txBody>
-      </p:sp>
-      <p:sp>
-        <p:nvSpPr>
-          <p:cNvPr id="52" name="椭圆 51"/>
-          <p:cNvSpPr/>
-          <p:nvPr/>
-        </p:nvSpPr>
-        <p:spPr>
-          <a:xfrm flipH="1">
-            <a:off x="513080" y="3807460"/>
-            <a:ext cx="115146" cy="115146"/>
-          </a:xfrm>
-          <a:prstGeom prst="ellipse">
-            <a:avLst/>
-          </a:prstGeom>
-          <a:solidFill>
-            <a:schemeClr val="tx1">
-              <a:lumMod val="65000"/>
-              <a:lumOff val="35000"/>
-            </a:schemeClr>
-          </a:solidFill>
-          <a:ln>
-            <a:noFill/>
-          </a:ln>
-        </p:spPr>
-        <p:style>
-          <a:lnRef idx="2">
-            <a:schemeClr val="accent1">
-              <a:shade val="50000"/>
-            </a:schemeClr>
-          </a:lnRef>
-          <a:fillRef idx="1">
-            <a:schemeClr val="accent1"/>
-          </a:fillRef>
-          <a:effectRef idx="0">
-            <a:schemeClr val="accent1"/>
-          </a:effectRef>
-          <a:fontRef idx="minor">
-            <a:schemeClr val="lt1"/>
-          </a:fontRef>
-        </p:style>
-        <p:txBody>
-          <a:bodyPr rtlCol="0" anchor="ctr"/>
-          <a:lstStyle/>
-          <a:p>
-            <a:pPr algn="ctr"/>
-            <a:endParaRPr lang="zh-CN" altLang="en-US"/>
-          </a:p>
-        </p:txBody>
-      </p:sp>
-      <p:sp>
-        <p:nvSpPr>
-          <p:cNvPr id="53" name="椭圆 52"/>
-          <p:cNvSpPr/>
-          <p:nvPr/>
-        </p:nvSpPr>
-        <p:spPr>
-          <a:xfrm flipH="1">
-            <a:off x="1579880" y="3807460"/>
-            <a:ext cx="115146" cy="115146"/>
-          </a:xfrm>
-          <a:prstGeom prst="ellipse">
-            <a:avLst/>
-          </a:prstGeom>
-          <a:solidFill>
-            <a:schemeClr val="tx1">
-              <a:lumMod val="65000"/>
-              <a:lumOff val="35000"/>
-            </a:schemeClr>
-          </a:solidFill>
-          <a:ln>
-            <a:noFill/>
-          </a:ln>
-        </p:spPr>
-        <p:style>
-          <a:lnRef idx="2">
-            <a:schemeClr val="accent1">
-              <a:shade val="50000"/>
-            </a:schemeClr>
-          </a:lnRef>
-          <a:fillRef idx="1">
-            <a:schemeClr val="accent1"/>
-          </a:fillRef>
-          <a:effectRef idx="0">
-            <a:schemeClr val="accent1"/>
-          </a:effectRef>
-          <a:fontRef idx="minor">
-            <a:schemeClr val="lt1"/>
-          </a:fontRef>
-        </p:style>
-        <p:txBody>
-          <a:bodyPr rtlCol="0" anchor="ctr"/>
-          <a:lstStyle/>
-          <a:p>
-            <a:pPr algn="ctr"/>
-            <a:endParaRPr lang="zh-CN" altLang="en-US"/>
-          </a:p>
-        </p:txBody>
-      </p:sp>
-      <p:sp>
-        <p:nvSpPr>
-          <p:cNvPr id="54" name="椭圆 53"/>
-          <p:cNvSpPr/>
-          <p:nvPr/>
-        </p:nvSpPr>
-        <p:spPr>
-          <a:xfrm flipH="1">
-            <a:off x="2646680" y="3807460"/>
-            <a:ext cx="115146" cy="115146"/>
-          </a:xfrm>
-          <a:prstGeom prst="ellipse">
-            <a:avLst/>
-          </a:prstGeom>
-          <a:solidFill>
-            <a:schemeClr val="tx1">
-              <a:lumMod val="65000"/>
-              <a:lumOff val="35000"/>
-            </a:schemeClr>
-          </a:solidFill>
-          <a:ln>
-            <a:noFill/>
-          </a:ln>
-        </p:spPr>
-        <p:style>
-          <a:lnRef idx="2">
-            <a:schemeClr val="accent1">
-              <a:shade val="50000"/>
-            </a:schemeClr>
-          </a:lnRef>
-          <a:fillRef idx="1">
-            <a:schemeClr val="accent1"/>
-          </a:fillRef>
-          <a:effectRef idx="0">
-            <a:schemeClr val="accent1"/>
-          </a:effectRef>
-          <a:fontRef idx="minor">
-            <a:schemeClr val="lt1"/>
-          </a:fontRef>
-        </p:style>
-        <p:txBody>
-          <a:bodyPr rtlCol="0" anchor="ctr"/>
-          <a:lstStyle/>
-          <a:p>
-            <a:pPr algn="ctr"/>
-            <a:endParaRPr lang="zh-CN" altLang="en-US"/>
-          </a:p>
-        </p:txBody>
-      </p:sp>
-      <p:sp>
-        <p:nvSpPr>
-          <p:cNvPr id="55" name="椭圆 54"/>
-          <p:cNvSpPr/>
-          <p:nvPr/>
-        </p:nvSpPr>
-        <p:spPr>
-          <a:xfrm flipH="1">
-            <a:off x="3713480" y="3807460"/>
-            <a:ext cx="115146" cy="115146"/>
-          </a:xfrm>
-          <a:prstGeom prst="ellipse">
-            <a:avLst/>
-          </a:prstGeom>
-          <a:solidFill>
-            <a:schemeClr val="tx1">
-              <a:lumMod val="65000"/>
-              <a:lumOff val="35000"/>
-            </a:schemeClr>
-          </a:solidFill>
-          <a:ln>
-            <a:noFill/>
-          </a:ln>
-        </p:spPr>
-        <p:style>
-          <a:lnRef idx="2">
-            <a:schemeClr val="accent1">
-              <a:shade val="50000"/>
-            </a:schemeClr>
-          </a:lnRef>
-          <a:fillRef idx="1">
-            <a:schemeClr val="accent1"/>
-          </a:fillRef>
-          <a:effectRef idx="0">
-            <a:schemeClr val="accent1"/>
-          </a:effectRef>
-          <a:fontRef idx="minor">
-            <a:schemeClr val="lt1"/>
-          </a:fontRef>
-        </p:style>
-        <p:txBody>
-          <a:bodyPr rtlCol="0" anchor="ctr"/>
-          <a:lstStyle/>
-          <a:p>
-            <a:pPr algn="ctr"/>
-            <a:endParaRPr lang="zh-CN" altLang="en-US"/>
-          </a:p>
-        </p:txBody>
-      </p:sp>
-      <p:sp>
-        <p:nvSpPr>
-          <p:cNvPr id="56" name="椭圆 55"/>
-          <p:cNvSpPr/>
-          <p:nvPr/>
-        </p:nvSpPr>
-        <p:spPr>
-          <a:xfrm flipH="1">
-            <a:off x="4780280" y="3807460"/>
-            <a:ext cx="115146" cy="115146"/>
-          </a:xfrm>
-          <a:prstGeom prst="ellipse">
-            <a:avLst/>
-          </a:prstGeom>
-          <a:solidFill>
-            <a:schemeClr val="tx1">
-              <a:lumMod val="65000"/>
-              <a:lumOff val="35000"/>
-            </a:schemeClr>
-          </a:solidFill>
-          <a:ln>
-            <a:noFill/>
-          </a:ln>
-        </p:spPr>
-        <p:style>
-          <a:lnRef idx="2">
-            <a:schemeClr val="accent1">
-              <a:shade val="50000"/>
-            </a:schemeClr>
-          </a:lnRef>
-          <a:fillRef idx="1">
-            <a:schemeClr val="accent1"/>
-          </a:fillRef>
-          <a:effectRef idx="0">
-            <a:schemeClr val="accent1"/>
-          </a:effectRef>
-          <a:fontRef idx="minor">
-            <a:schemeClr val="lt1"/>
-          </a:fontRef>
-        </p:style>
-        <p:txBody>
-          <a:bodyPr rtlCol="0" anchor="ctr"/>
-          <a:lstStyle/>
-          <a:p>
-            <a:pPr algn="ctr"/>
-            <a:endParaRPr lang="zh-CN" altLang="en-US"/>
+            <a:endParaRPr lang="zh-CN" altLang="en-US" sz="4400"/>
           </a:p>
         </p:txBody>
       </p:sp>
       <p:grpSp>
         <p:nvGrpSpPr>
-          <p:cNvPr id="66" name="组合 65"/>
+          <p:cNvPr id="22" name="组合 21"/>
           <p:cNvGrpSpPr/>
           <p:nvPr/>
         </p:nvGrpSpPr>
         <p:grpSpPr>
           <a:xfrm>
-            <a:off x="280027" y="791434"/>
-            <a:ext cx="4980129" cy="2566085"/>
-            <a:chOff x="1356175" y="1093399"/>
-            <a:chExt cx="2300757" cy="1589432"/>
+            <a:off x="-211666" y="2980040"/>
+            <a:ext cx="12778491" cy="912541"/>
+            <a:chOff x="0" y="2158337"/>
+            <a:chExt cx="12778491" cy="912541"/>
           </a:xfrm>
         </p:grpSpPr>
         <p:sp>
           <p:nvSpPr>
-            <p:cNvPr id="58" name="矩形 57"/>
+            <p:cNvPr id="5" name="矩形 4"/>
             <p:cNvSpPr/>
             <p:nvPr/>
           </p:nvSpPr>
           <p:spPr>
             <a:xfrm>
-              <a:off x="1368667" y="1118935"/>
-              <a:ext cx="2268157" cy="1549546"/>
+              <a:off x="211666" y="2513302"/>
+              <a:ext cx="12192000" cy="211078"/>
             </a:xfrm>
             <a:prstGeom prst="rect">
+              <a:avLst/>
+            </a:prstGeom>
+            <a:solidFill>
+              <a:schemeClr val="bg1">
+                <a:lumMod val="95000"/>
+              </a:schemeClr>
+            </a:solidFill>
+            <a:ln>
+              <a:noFill/>
+            </a:ln>
+          </p:spPr>
+          <p:style>
+            <a:lnRef idx="2">
+              <a:schemeClr val="accent1">
+                <a:shade val="50000"/>
+              </a:schemeClr>
+            </a:lnRef>
+            <a:fillRef idx="1">
+              <a:schemeClr val="accent1"/>
+            </a:fillRef>
+            <a:effectRef idx="0">
+              <a:schemeClr val="accent1"/>
+            </a:effectRef>
+            <a:fontRef idx="minor">
+              <a:schemeClr val="lt1"/>
+            </a:fontRef>
+          </p:style>
+          <p:txBody>
+            <a:bodyPr rot="0" spcFirstLastPara="0" vertOverflow="overflow" horzOverflow="overflow" vert="horz" wrap="square" lIns="91440" tIns="45720" rIns="91440" bIns="45720" numCol="1" spcCol="0" rtlCol="0" fromWordArt="0" anchor="ctr" anchorCtr="0" forceAA="0" compatLnSpc="1">
+              <a:noAutofit/>
+            </a:bodyPr>
+            <a:lstStyle/>
+            <a:p>
+              <a:pPr algn="ctr"/>
+              <a:endParaRPr lang="zh-CN" altLang="en-US" dirty="0"/>
+            </a:p>
+          </p:txBody>
+        </p:sp>
+        <p:sp>
+          <p:nvSpPr>
+            <p:cNvPr id="6" name="等腰三角形 5"/>
+            <p:cNvSpPr/>
+            <p:nvPr/>
+          </p:nvSpPr>
+          <p:spPr>
+            <a:xfrm>
+              <a:off x="0" y="2160196"/>
+              <a:ext cx="1056391" cy="910682"/>
+            </a:xfrm>
+            <a:prstGeom prst="triangle">
               <a:avLst/>
             </a:prstGeom>
             <a:noFill/>
             <a:ln>
               <a:solidFill>
                 <a:schemeClr val="bg1">
-                  <a:lumMod val="75000"/>
+                  <a:lumMod val="85000"/>
                 </a:schemeClr>
               </a:solidFill>
             </a:ln>
@@ -4230,26 +3804,25 @@
         </p:sp>
         <p:sp>
           <p:nvSpPr>
-            <p:cNvPr id="59" name="椭圆 58"/>
+            <p:cNvPr id="8" name="等腰三角形 7"/>
             <p:cNvSpPr/>
             <p:nvPr/>
           </p:nvSpPr>
           <p:spPr>
             <a:xfrm>
-              <a:off x="1356175" y="1093399"/>
-              <a:ext cx="38888" cy="38888"/>
+              <a:off x="1056391" y="2160196"/>
+              <a:ext cx="1056391" cy="910682"/>
             </a:xfrm>
-            <a:prstGeom prst="ellipse">
+            <a:prstGeom prst="triangle">
               <a:avLst/>
             </a:prstGeom>
-            <a:solidFill>
-              <a:schemeClr val="tx1">
-                <a:lumMod val="65000"/>
-                <a:lumOff val="35000"/>
-              </a:schemeClr>
-            </a:solidFill>
+            <a:noFill/>
             <a:ln>
-              <a:noFill/>
+              <a:solidFill>
+                <a:schemeClr val="bg1">
+                  <a:lumMod val="85000"/>
+                </a:schemeClr>
+              </a:solidFill>
             </a:ln>
           </p:spPr>
           <p:style>
@@ -4281,26 +3854,25 @@
         </p:sp>
         <p:sp>
           <p:nvSpPr>
-            <p:cNvPr id="60" name="椭圆 59"/>
+            <p:cNvPr id="9" name="等腰三角形 8"/>
             <p:cNvSpPr/>
             <p:nvPr/>
           </p:nvSpPr>
           <p:spPr>
             <a:xfrm>
-              <a:off x="1356175" y="2643943"/>
-              <a:ext cx="38888" cy="38888"/>
+              <a:off x="2120900" y="2158337"/>
+              <a:ext cx="1056391" cy="910682"/>
             </a:xfrm>
-            <a:prstGeom prst="ellipse">
+            <a:prstGeom prst="triangle">
               <a:avLst/>
             </a:prstGeom>
-            <a:solidFill>
-              <a:schemeClr val="tx1">
-                <a:lumMod val="65000"/>
-                <a:lumOff val="35000"/>
-              </a:schemeClr>
-            </a:solidFill>
+            <a:noFill/>
             <a:ln>
-              <a:noFill/>
+              <a:solidFill>
+                <a:schemeClr val="bg1">
+                  <a:lumMod val="85000"/>
+                </a:schemeClr>
+              </a:solidFill>
             </a:ln>
           </p:spPr>
           <p:style>
@@ -4332,26 +3904,25 @@
         </p:sp>
         <p:sp>
           <p:nvSpPr>
-            <p:cNvPr id="61" name="椭圆 60"/>
+            <p:cNvPr id="10" name="等腰三角形 9"/>
             <p:cNvSpPr/>
             <p:nvPr/>
           </p:nvSpPr>
           <p:spPr>
             <a:xfrm>
-              <a:off x="3618044" y="2643943"/>
-              <a:ext cx="38888" cy="38888"/>
+              <a:off x="3187700" y="2158337"/>
+              <a:ext cx="1056391" cy="910682"/>
             </a:xfrm>
-            <a:prstGeom prst="ellipse">
+            <a:prstGeom prst="triangle">
               <a:avLst/>
             </a:prstGeom>
-            <a:solidFill>
-              <a:schemeClr val="tx1">
-                <a:lumMod val="65000"/>
-                <a:lumOff val="35000"/>
-              </a:schemeClr>
-            </a:solidFill>
+            <a:noFill/>
             <a:ln>
-              <a:noFill/>
+              <a:solidFill>
+                <a:schemeClr val="bg1">
+                  <a:lumMod val="85000"/>
+                </a:schemeClr>
+              </a:solidFill>
             </a:ln>
           </p:spPr>
           <p:style>
@@ -4383,524 +3954,23 @@
         </p:sp>
         <p:sp>
           <p:nvSpPr>
-            <p:cNvPr id="62" name="椭圆 61"/>
+            <p:cNvPr id="11" name="等腰三角形 10"/>
             <p:cNvSpPr/>
             <p:nvPr/>
           </p:nvSpPr>
           <p:spPr>
             <a:xfrm>
-              <a:off x="3617381" y="1098493"/>
-              <a:ext cx="38888" cy="38888"/>
+              <a:off x="4254500" y="2158337"/>
+              <a:ext cx="1056391" cy="910682"/>
             </a:xfrm>
-            <a:prstGeom prst="ellipse">
-              <a:avLst/>
-            </a:prstGeom>
-            <a:solidFill>
-              <a:schemeClr val="tx1">
-                <a:lumMod val="65000"/>
-                <a:lumOff val="35000"/>
-              </a:schemeClr>
-            </a:solidFill>
-            <a:ln>
-              <a:noFill/>
-            </a:ln>
-          </p:spPr>
-          <p:style>
-            <a:lnRef idx="2">
-              <a:schemeClr val="accent1">
-                <a:shade val="50000"/>
-              </a:schemeClr>
-            </a:lnRef>
-            <a:fillRef idx="1">
-              <a:schemeClr val="accent1"/>
-            </a:fillRef>
-            <a:effectRef idx="0">
-              <a:schemeClr val="accent1"/>
-            </a:effectRef>
-            <a:fontRef idx="minor">
-              <a:schemeClr val="lt1"/>
-            </a:fontRef>
-          </p:style>
-          <p:txBody>
-            <a:bodyPr rot="0" spcFirstLastPara="0" vertOverflow="overflow" horzOverflow="overflow" vert="horz" wrap="square" lIns="91440" tIns="45720" rIns="91440" bIns="45720" numCol="1" spcCol="0" rtlCol="0" fromWordArt="0" anchor="ctr" anchorCtr="0" forceAA="0" compatLnSpc="1">
-              <a:noAutofit/>
-            </a:bodyPr>
-            <a:lstStyle/>
-            <a:p>
-              <a:pPr algn="ctr"/>
-              <a:endParaRPr lang="zh-CN" altLang="en-US"/>
-            </a:p>
-          </p:txBody>
-        </p:sp>
-      </p:grpSp>
-      <p:sp>
-        <p:nvSpPr>
-          <p:cNvPr id="98" name="矩形 97"/>
-          <p:cNvSpPr/>
-          <p:nvPr/>
-        </p:nvSpPr>
-        <p:spPr>
-          <a:xfrm>
-            <a:off x="364202" y="913880"/>
-            <a:ext cx="1082348" cy="307777"/>
-          </a:xfrm>
-          <a:prstGeom prst="rect">
-            <a:avLst/>
-          </a:prstGeom>
-        </p:spPr>
-        <p:txBody>
-          <a:bodyPr wrap="none">
-            <a:spAutoFit/>
-          </a:bodyPr>
-          <a:lstStyle/>
-          <a:p>
-            <a:r>
-              <a:rPr lang="zh-CN" altLang="en-US" sz="1400" b="1" dirty="0"/>
-              <a:t>技术可行性</a:t>
-            </a:r>
-            <a:endParaRPr lang="zh-CN" altLang="en-US" sz="1400" b="1" dirty="0"/>
-          </a:p>
-        </p:txBody>
-      </p:sp>
-      <p:sp>
-        <p:nvSpPr>
-          <p:cNvPr id="99" name="矩形 98"/>
-          <p:cNvSpPr/>
-          <p:nvPr/>
-        </p:nvSpPr>
-        <p:spPr>
-          <a:xfrm>
-            <a:off x="316529" y="1251306"/>
-            <a:ext cx="4748775" cy="1768475"/>
-          </a:xfrm>
-          <a:prstGeom prst="rect">
-            <a:avLst/>
-          </a:prstGeom>
-        </p:spPr>
-        <p:txBody>
-          <a:bodyPr wrap="square">
-            <a:spAutoFit/>
-          </a:bodyPr>
-          <a:lstStyle/>
-          <a:p>
-            <a:pPr lvl="0">
-              <a:lnSpc>
-                <a:spcPct val="130000"/>
-              </a:lnSpc>
-            </a:pPr>
-            <a:r>
-              <a:rPr lang="zh-CN" altLang="en-US" sz="1400" dirty="0">
-                <a:solidFill>
-                  <a:schemeClr val="bg1">
-                    <a:lumMod val="50000"/>
-                  </a:schemeClr>
-                </a:solidFill>
-                <a:latin typeface="微软雅黑" panose="020B0503020204020204" charset="-122"/>
-                <a:ea typeface="微软雅黑" panose="020B0503020204020204" charset="-122"/>
-              </a:rPr>
-              <a:t>前端采用</a:t>
-            </a:r>
-            <a:r>
-              <a:rPr lang="en-US" altLang="zh-CN" sz="1400" dirty="0">
-                <a:solidFill>
-                  <a:schemeClr val="bg1">
-                    <a:lumMod val="50000"/>
-                  </a:schemeClr>
-                </a:solidFill>
-                <a:latin typeface="微软雅黑" panose="020B0503020204020204" charset="-122"/>
-                <a:ea typeface="微软雅黑" panose="020B0503020204020204" charset="-122"/>
-              </a:rPr>
-              <a:t>html(5)</a:t>
-            </a:r>
-            <a:r>
-              <a:rPr lang="zh-CN" altLang="en-US" sz="1400" dirty="0">
-                <a:solidFill>
-                  <a:schemeClr val="bg1">
-                    <a:lumMod val="50000"/>
-                  </a:schemeClr>
-                </a:solidFill>
-                <a:latin typeface="微软雅黑" panose="020B0503020204020204" charset="-122"/>
-                <a:ea typeface="微软雅黑" panose="020B0503020204020204" charset="-122"/>
-              </a:rPr>
-              <a:t>，</a:t>
-            </a:r>
-            <a:r>
-              <a:rPr lang="en-US" altLang="zh-CN" sz="1400" dirty="0" err="1">
-                <a:solidFill>
-                  <a:schemeClr val="bg1">
-                    <a:lumMod val="50000"/>
-                  </a:schemeClr>
-                </a:solidFill>
-                <a:latin typeface="微软雅黑" panose="020B0503020204020204" charset="-122"/>
-                <a:ea typeface="微软雅黑" panose="020B0503020204020204" charset="-122"/>
-              </a:rPr>
-              <a:t>css</a:t>
-            </a:r>
-            <a:r>
-              <a:rPr lang="en-US" altLang="zh-CN" sz="1400" dirty="0">
-                <a:solidFill>
-                  <a:schemeClr val="bg1">
-                    <a:lumMod val="50000"/>
-                  </a:schemeClr>
-                </a:solidFill>
-                <a:latin typeface="微软雅黑" panose="020B0503020204020204" charset="-122"/>
-                <a:ea typeface="微软雅黑" panose="020B0503020204020204" charset="-122"/>
-              </a:rPr>
-              <a:t>(3)</a:t>
-            </a:r>
-            <a:r>
-              <a:rPr lang="zh-CN" altLang="en-US" sz="1400" dirty="0">
-                <a:solidFill>
-                  <a:schemeClr val="bg1">
-                    <a:lumMod val="50000"/>
-                  </a:schemeClr>
-                </a:solidFill>
-                <a:latin typeface="微软雅黑" panose="020B0503020204020204" charset="-122"/>
-                <a:ea typeface="微软雅黑" panose="020B0503020204020204" charset="-122"/>
-              </a:rPr>
-              <a:t>，</a:t>
-            </a:r>
-            <a:r>
-              <a:rPr lang="en-US" altLang="zh-CN" sz="1400" dirty="0">
-                <a:solidFill>
-                  <a:schemeClr val="bg1">
-                    <a:lumMod val="50000"/>
-                  </a:schemeClr>
-                </a:solidFill>
-                <a:latin typeface="微软雅黑" panose="020B0503020204020204" charset="-122"/>
-                <a:ea typeface="微软雅黑" panose="020B0503020204020204" charset="-122"/>
-              </a:rPr>
-              <a:t>vue.</a:t>
-            </a:r>
-            <a:r>
-              <a:rPr lang="en-US" altLang="zh-CN" sz="1400" dirty="0" err="1">
-                <a:solidFill>
-                  <a:schemeClr val="bg1">
-                    <a:lumMod val="50000"/>
-                  </a:schemeClr>
-                </a:solidFill>
-                <a:latin typeface="微软雅黑" panose="020B0503020204020204" charset="-122"/>
-                <a:ea typeface="微软雅黑" panose="020B0503020204020204" charset="-122"/>
-              </a:rPr>
-              <a:t>Js</a:t>
-            </a:r>
-            <a:r>
-              <a:rPr lang="zh-CN" altLang="en-US" sz="1400" dirty="0">
-                <a:solidFill>
-                  <a:schemeClr val="bg1">
-                    <a:lumMod val="50000"/>
-                  </a:schemeClr>
-                </a:solidFill>
-                <a:latin typeface="微软雅黑" panose="020B0503020204020204" charset="-122"/>
-                <a:ea typeface="微软雅黑" panose="020B0503020204020204" charset="-122"/>
-              </a:rPr>
-              <a:t>。</a:t>
-            </a:r>
-            <a:endParaRPr lang="en-US" altLang="zh-CN" sz="1400" dirty="0">
-              <a:solidFill>
-                <a:schemeClr val="bg1">
-                  <a:lumMod val="50000"/>
-                </a:schemeClr>
-              </a:solidFill>
-              <a:latin typeface="微软雅黑" panose="020B0503020204020204" charset="-122"/>
-              <a:ea typeface="微软雅黑" panose="020B0503020204020204" charset="-122"/>
-            </a:endParaRPr>
-          </a:p>
-          <a:p>
-            <a:pPr lvl="0">
-              <a:lnSpc>
-                <a:spcPct val="130000"/>
-              </a:lnSpc>
-            </a:pPr>
-            <a:r>
-              <a:rPr lang="zh-CN" altLang="en-US" sz="1400" dirty="0">
-                <a:solidFill>
-                  <a:schemeClr val="bg1">
-                    <a:lumMod val="50000"/>
-                  </a:schemeClr>
-                </a:solidFill>
-                <a:latin typeface="微软雅黑" panose="020B0503020204020204" charset="-122"/>
-                <a:ea typeface="微软雅黑" panose="020B0503020204020204" charset="-122"/>
-              </a:rPr>
-              <a:t>后端采用</a:t>
-            </a:r>
-            <a:r>
-              <a:rPr lang="en-US" altLang="zh-CN" sz="1400" dirty="0">
-                <a:solidFill>
-                  <a:schemeClr val="bg1">
-                    <a:lumMod val="50000"/>
-                  </a:schemeClr>
-                </a:solidFill>
-                <a:latin typeface="微软雅黑" panose="020B0503020204020204" charset="-122"/>
-                <a:ea typeface="微软雅黑" panose="020B0503020204020204" charset="-122"/>
-              </a:rPr>
-              <a:t>python</a:t>
-            </a:r>
-            <a:r>
-              <a:rPr lang="zh-CN" altLang="en-US" sz="1400" dirty="0">
-                <a:solidFill>
-                  <a:schemeClr val="bg1">
-                    <a:lumMod val="50000"/>
-                  </a:schemeClr>
-                </a:solidFill>
-                <a:latin typeface="微软雅黑" panose="020B0503020204020204" charset="-122"/>
-                <a:ea typeface="微软雅黑" panose="020B0503020204020204" charset="-122"/>
-              </a:rPr>
-              <a:t>开发</a:t>
-            </a:r>
-            <a:endParaRPr lang="zh-CN" altLang="en-US" sz="1400" dirty="0">
-              <a:solidFill>
-                <a:schemeClr val="bg1">
-                  <a:lumMod val="50000"/>
-                </a:schemeClr>
-              </a:solidFill>
-              <a:latin typeface="微软雅黑" panose="020B0503020204020204" charset="-122"/>
-              <a:ea typeface="微软雅黑" panose="020B0503020204020204" charset="-122"/>
-            </a:endParaRPr>
-          </a:p>
-          <a:p>
-            <a:pPr lvl="0">
-              <a:lnSpc>
-                <a:spcPct val="130000"/>
-              </a:lnSpc>
-            </a:pPr>
-            <a:r>
-              <a:rPr lang="zh-CN" altLang="en-US" sz="1400" dirty="0">
-                <a:solidFill>
-                  <a:schemeClr val="bg1">
-                    <a:lumMod val="50000"/>
-                  </a:schemeClr>
-                </a:solidFill>
-                <a:latin typeface="微软雅黑" panose="020B0503020204020204" charset="-122"/>
-                <a:ea typeface="微软雅黑" panose="020B0503020204020204" charset="-122"/>
-              </a:rPr>
-              <a:t>使用</a:t>
-            </a:r>
-            <a:r>
-              <a:rPr lang="en-US" altLang="zh-CN" sz="1400" dirty="0" err="1">
-                <a:solidFill>
-                  <a:schemeClr val="bg1">
-                    <a:lumMod val="50000"/>
-                  </a:schemeClr>
-                </a:solidFill>
-                <a:latin typeface="微软雅黑" panose="020B0503020204020204" charset="-122"/>
-                <a:ea typeface="微软雅黑" panose="020B0503020204020204" charset="-122"/>
-              </a:rPr>
-              <a:t>Mongodb</a:t>
-            </a:r>
-            <a:r>
-              <a:rPr lang="zh-CN" altLang="en-US" sz="1400" dirty="0">
-                <a:solidFill>
-                  <a:schemeClr val="bg1">
-                    <a:lumMod val="50000"/>
-                  </a:schemeClr>
-                </a:solidFill>
-                <a:latin typeface="微软雅黑" panose="020B0503020204020204" charset="-122"/>
-                <a:ea typeface="微软雅黑" panose="020B0503020204020204" charset="-122"/>
-              </a:rPr>
-              <a:t>作为数据库。</a:t>
-            </a:r>
-            <a:endParaRPr lang="en-US" altLang="zh-CN" sz="1400" dirty="0">
-              <a:solidFill>
-                <a:schemeClr val="bg1">
-                  <a:lumMod val="50000"/>
-                </a:schemeClr>
-              </a:solidFill>
-              <a:latin typeface="微软雅黑" panose="020B0503020204020204" charset="-122"/>
-              <a:ea typeface="微软雅黑" panose="020B0503020204020204" charset="-122"/>
-            </a:endParaRPr>
-          </a:p>
-          <a:p>
-            <a:pPr lvl="0">
-              <a:lnSpc>
-                <a:spcPct val="130000"/>
-              </a:lnSpc>
-            </a:pPr>
-            <a:r>
-              <a:rPr lang="zh-CN" altLang="en-US" sz="1400" dirty="0">
-                <a:solidFill>
-                  <a:schemeClr val="bg1">
-                    <a:lumMod val="50000"/>
-                  </a:schemeClr>
-                </a:solidFill>
-                <a:latin typeface="微软雅黑" panose="020B0503020204020204" charset="-122"/>
-                <a:ea typeface="微软雅黑" panose="020B0503020204020204" charset="-122"/>
-              </a:rPr>
-              <a:t>使用爬虫获取数据。</a:t>
-            </a:r>
-            <a:endParaRPr lang="en-US" altLang="zh-CN" sz="1400" dirty="0">
-              <a:solidFill>
-                <a:schemeClr val="bg1">
-                  <a:lumMod val="50000"/>
-                </a:schemeClr>
-              </a:solidFill>
-              <a:latin typeface="微软雅黑" panose="020B0503020204020204" charset="-122"/>
-              <a:ea typeface="微软雅黑" panose="020B0503020204020204" charset="-122"/>
-            </a:endParaRPr>
-          </a:p>
-          <a:p>
-            <a:pPr lvl="0">
-              <a:lnSpc>
-                <a:spcPct val="130000"/>
-              </a:lnSpc>
-            </a:pPr>
-            <a:r>
-              <a:rPr lang="zh-CN" altLang="en-US" sz="1400" dirty="0">
-                <a:solidFill>
-                  <a:schemeClr val="bg1">
-                    <a:lumMod val="50000"/>
-                  </a:schemeClr>
-                </a:solidFill>
-                <a:latin typeface="微软雅黑" panose="020B0503020204020204" charset="-122"/>
-                <a:ea typeface="微软雅黑" panose="020B0503020204020204" charset="-122"/>
-              </a:rPr>
-              <a:t>使用</a:t>
-            </a:r>
-            <a:r>
-              <a:rPr lang="en-US" altLang="zh-CN" sz="1400" dirty="0">
-                <a:solidFill>
-                  <a:schemeClr val="bg1">
-                    <a:lumMod val="50000"/>
-                  </a:schemeClr>
-                </a:solidFill>
-                <a:latin typeface="微软雅黑" panose="020B0503020204020204" charset="-122"/>
-                <a:ea typeface="微软雅黑" panose="020B0503020204020204" charset="-122"/>
-              </a:rPr>
-              <a:t>Python</a:t>
-            </a:r>
-            <a:r>
-              <a:rPr lang="zh-CN" altLang="en-US" sz="1400" dirty="0">
-                <a:solidFill>
-                  <a:schemeClr val="bg1">
-                    <a:lumMod val="50000"/>
-                  </a:schemeClr>
-                </a:solidFill>
-                <a:latin typeface="微软雅黑" panose="020B0503020204020204" charset="-122"/>
-                <a:ea typeface="微软雅黑" panose="020B0503020204020204" charset="-122"/>
-              </a:rPr>
-              <a:t>的</a:t>
-            </a:r>
-            <a:r>
-              <a:rPr lang="en-US" altLang="zh-CN" sz="1400" dirty="0">
-                <a:solidFill>
-                  <a:schemeClr val="bg1">
-                    <a:lumMod val="50000"/>
-                  </a:schemeClr>
-                </a:solidFill>
-                <a:latin typeface="微软雅黑" panose="020B0503020204020204" charset="-122"/>
-                <a:ea typeface="微软雅黑" panose="020B0503020204020204" charset="-122"/>
-              </a:rPr>
-              <a:t>Flask</a:t>
-            </a:r>
-            <a:r>
-              <a:rPr lang="zh-CN" altLang="en-US" sz="1400" dirty="0">
-                <a:solidFill>
-                  <a:schemeClr val="bg1">
-                    <a:lumMod val="50000"/>
-                  </a:schemeClr>
-                </a:solidFill>
-                <a:latin typeface="微软雅黑" panose="020B0503020204020204" charset="-122"/>
-                <a:ea typeface="微软雅黑" panose="020B0503020204020204" charset="-122"/>
-              </a:rPr>
-              <a:t>作为服务器。</a:t>
-            </a:r>
-            <a:endParaRPr lang="en-US" altLang="zh-CN" sz="1400" dirty="0">
-              <a:solidFill>
-                <a:schemeClr val="bg1">
-                  <a:lumMod val="50000"/>
-                </a:schemeClr>
-              </a:solidFill>
-              <a:latin typeface="微软雅黑" panose="020B0503020204020204" charset="-122"/>
-              <a:ea typeface="微软雅黑" panose="020B0503020204020204" charset="-122"/>
-            </a:endParaRPr>
-          </a:p>
-          <a:p>
-            <a:pPr lvl="0">
-              <a:lnSpc>
-                <a:spcPct val="130000"/>
-              </a:lnSpc>
-            </a:pPr>
-            <a:r>
-              <a:rPr lang="zh-CN" altLang="en-US" sz="1400" dirty="0">
-                <a:solidFill>
-                  <a:schemeClr val="bg1">
-                    <a:lumMod val="50000"/>
-                  </a:schemeClr>
-                </a:solidFill>
-                <a:latin typeface="微软雅黑" panose="020B0503020204020204" charset="-122"/>
-                <a:ea typeface="微软雅黑" panose="020B0503020204020204" charset="-122"/>
-              </a:rPr>
-              <a:t>使用</a:t>
-            </a:r>
-            <a:r>
-              <a:rPr lang="en-US" altLang="zh-CN" sz="1400" dirty="0">
-                <a:solidFill>
-                  <a:schemeClr val="bg1">
-                    <a:lumMod val="50000"/>
-                  </a:schemeClr>
-                </a:solidFill>
-                <a:latin typeface="微软雅黑" panose="020B0503020204020204" charset="-122"/>
-                <a:ea typeface="微软雅黑" panose="020B0503020204020204" charset="-122"/>
-              </a:rPr>
-              <a:t>Ajax</a:t>
-            </a:r>
-            <a:r>
-              <a:rPr lang="zh-CN" altLang="en-US" sz="1400" dirty="0">
-                <a:solidFill>
-                  <a:schemeClr val="bg1">
-                    <a:lumMod val="50000"/>
-                  </a:schemeClr>
-                </a:solidFill>
-                <a:latin typeface="微软雅黑" panose="020B0503020204020204" charset="-122"/>
-                <a:ea typeface="微软雅黑" panose="020B0503020204020204" charset="-122"/>
-              </a:rPr>
-              <a:t>前后端分离</a:t>
-            </a:r>
-            <a:endParaRPr lang="zh-CN" altLang="en-US" sz="1400" dirty="0">
-              <a:solidFill>
-                <a:schemeClr val="bg1">
-                  <a:lumMod val="50000"/>
-                </a:schemeClr>
-              </a:solidFill>
-              <a:latin typeface="微软雅黑" panose="020B0503020204020204" charset="-122"/>
-              <a:ea typeface="微软雅黑" panose="020B0503020204020204" charset="-122"/>
-            </a:endParaRPr>
-          </a:p>
-        </p:txBody>
-      </p:sp>
-      <p:grpSp>
-        <p:nvGrpSpPr>
-          <p:cNvPr id="114" name="组合 113"/>
-          <p:cNvGrpSpPr/>
-          <p:nvPr/>
-        </p:nvGrpSpPr>
-        <p:grpSpPr>
-          <a:xfrm>
-            <a:off x="6956624" y="720169"/>
-            <a:ext cx="4980129" cy="2649523"/>
-            <a:chOff x="1356175" y="1093399"/>
-            <a:chExt cx="2300757" cy="1589432"/>
-          </a:xfrm>
-        </p:grpSpPr>
-        <p:sp>
-          <p:nvSpPr>
-            <p:cNvPr id="115" name="矩形 114"/>
-            <p:cNvSpPr/>
-            <p:nvPr/>
-          </p:nvSpPr>
-          <p:spPr>
-            <a:xfrm>
-              <a:off x="1368667" y="1118935"/>
-              <a:ext cx="2268157" cy="1549546"/>
-            </a:xfrm>
-            <a:prstGeom prst="rect">
+            <a:prstGeom prst="triangle">
               <a:avLst/>
             </a:prstGeom>
             <a:noFill/>
             <a:ln>
               <a:solidFill>
                 <a:schemeClr val="bg1">
-                  <a:lumMod val="75000"/>
+                  <a:lumMod val="85000"/>
                 </a:schemeClr>
               </a:solidFill>
             </a:ln>
@@ -4934,26 +4004,25 @@
         </p:sp>
         <p:sp>
           <p:nvSpPr>
-            <p:cNvPr id="116" name="椭圆 115"/>
+            <p:cNvPr id="12" name="等腰三角形 11"/>
             <p:cNvSpPr/>
             <p:nvPr/>
           </p:nvSpPr>
           <p:spPr>
             <a:xfrm>
-              <a:off x="1356175" y="1093399"/>
-              <a:ext cx="38888" cy="38888"/>
+              <a:off x="5321300" y="2158337"/>
+              <a:ext cx="1056391" cy="910682"/>
             </a:xfrm>
-            <a:prstGeom prst="ellipse">
+            <a:prstGeom prst="triangle">
               <a:avLst/>
             </a:prstGeom>
-            <a:solidFill>
-              <a:schemeClr val="tx1">
-                <a:lumMod val="65000"/>
-                <a:lumOff val="35000"/>
-              </a:schemeClr>
-            </a:solidFill>
+            <a:noFill/>
             <a:ln>
-              <a:noFill/>
+              <a:solidFill>
+                <a:schemeClr val="bg1">
+                  <a:lumMod val="85000"/>
+                </a:schemeClr>
+              </a:solidFill>
             </a:ln>
           </p:spPr>
           <p:style>
@@ -4985,26 +4054,25 @@
         </p:sp>
         <p:sp>
           <p:nvSpPr>
-            <p:cNvPr id="117" name="椭圆 116"/>
+            <p:cNvPr id="13" name="等腰三角形 12"/>
             <p:cNvSpPr/>
             <p:nvPr/>
           </p:nvSpPr>
           <p:spPr>
             <a:xfrm>
-              <a:off x="1356175" y="2643943"/>
-              <a:ext cx="38888" cy="38888"/>
+              <a:off x="6388100" y="2158337"/>
+              <a:ext cx="1056391" cy="910682"/>
             </a:xfrm>
-            <a:prstGeom prst="ellipse">
+            <a:prstGeom prst="triangle">
               <a:avLst/>
             </a:prstGeom>
-            <a:solidFill>
-              <a:schemeClr val="tx1">
-                <a:lumMod val="65000"/>
-                <a:lumOff val="35000"/>
-              </a:schemeClr>
-            </a:solidFill>
+            <a:noFill/>
             <a:ln>
-              <a:noFill/>
+              <a:solidFill>
+                <a:schemeClr val="bg1">
+                  <a:lumMod val="85000"/>
+                </a:schemeClr>
+              </a:solidFill>
             </a:ln>
           </p:spPr>
           <p:style>
@@ -5036,26 +4104,25 @@
         </p:sp>
         <p:sp>
           <p:nvSpPr>
-            <p:cNvPr id="118" name="椭圆 117"/>
+            <p:cNvPr id="14" name="等腰三角形 13"/>
             <p:cNvSpPr/>
             <p:nvPr/>
           </p:nvSpPr>
           <p:spPr>
             <a:xfrm>
-              <a:off x="3618044" y="2643943"/>
-              <a:ext cx="38888" cy="38888"/>
+              <a:off x="7454900" y="2158337"/>
+              <a:ext cx="1056391" cy="910682"/>
             </a:xfrm>
-            <a:prstGeom prst="ellipse">
+            <a:prstGeom prst="triangle">
               <a:avLst/>
             </a:prstGeom>
-            <a:solidFill>
-              <a:schemeClr val="tx1">
-                <a:lumMod val="65000"/>
-                <a:lumOff val="35000"/>
-              </a:schemeClr>
-            </a:solidFill>
+            <a:noFill/>
             <a:ln>
-              <a:noFill/>
+              <a:solidFill>
+                <a:schemeClr val="bg1">
+                  <a:lumMod val="85000"/>
+                </a:schemeClr>
+              </a:solidFill>
             </a:ln>
           </p:spPr>
           <p:style>
@@ -5087,212 +4154,23 @@
         </p:sp>
         <p:sp>
           <p:nvSpPr>
-            <p:cNvPr id="119" name="椭圆 118"/>
+            <p:cNvPr id="15" name="等腰三角形 14"/>
             <p:cNvSpPr/>
             <p:nvPr/>
           </p:nvSpPr>
           <p:spPr>
             <a:xfrm>
-              <a:off x="3617381" y="1098493"/>
-              <a:ext cx="38888" cy="38888"/>
+              <a:off x="8521700" y="2158337"/>
+              <a:ext cx="1056391" cy="910682"/>
             </a:xfrm>
-            <a:prstGeom prst="ellipse">
-              <a:avLst/>
-            </a:prstGeom>
-            <a:solidFill>
-              <a:schemeClr val="tx1">
-                <a:lumMod val="65000"/>
-                <a:lumOff val="35000"/>
-              </a:schemeClr>
-            </a:solidFill>
-            <a:ln>
-              <a:noFill/>
-            </a:ln>
-          </p:spPr>
-          <p:style>
-            <a:lnRef idx="2">
-              <a:schemeClr val="accent1">
-                <a:shade val="50000"/>
-              </a:schemeClr>
-            </a:lnRef>
-            <a:fillRef idx="1">
-              <a:schemeClr val="accent1"/>
-            </a:fillRef>
-            <a:effectRef idx="0">
-              <a:schemeClr val="accent1"/>
-            </a:effectRef>
-            <a:fontRef idx="minor">
-              <a:schemeClr val="lt1"/>
-            </a:fontRef>
-          </p:style>
-          <p:txBody>
-            <a:bodyPr rot="0" spcFirstLastPara="0" vertOverflow="overflow" horzOverflow="overflow" vert="horz" wrap="square" lIns="91440" tIns="45720" rIns="91440" bIns="45720" numCol="1" spcCol="0" rtlCol="0" fromWordArt="0" anchor="ctr" anchorCtr="0" forceAA="0" compatLnSpc="1">
-              <a:noAutofit/>
-            </a:bodyPr>
-            <a:lstStyle/>
-            <a:p>
-              <a:pPr algn="ctr"/>
-              <a:endParaRPr lang="zh-CN" altLang="en-US"/>
-            </a:p>
-          </p:txBody>
-        </p:sp>
-      </p:grpSp>
-      <p:sp>
-        <p:nvSpPr>
-          <p:cNvPr id="120" name="矩形 119"/>
-          <p:cNvSpPr/>
-          <p:nvPr/>
-        </p:nvSpPr>
-        <p:spPr>
-          <a:xfrm>
-            <a:off x="7048951" y="1244154"/>
-            <a:ext cx="4748775" cy="1212640"/>
-          </a:xfrm>
-          <a:prstGeom prst="rect">
-            <a:avLst/>
-          </a:prstGeom>
-        </p:spPr>
-        <p:txBody>
-          <a:bodyPr wrap="square">
-            <a:spAutoFit/>
-          </a:bodyPr>
-          <a:lstStyle/>
-          <a:p>
-            <a:pPr lvl="0">
-              <a:lnSpc>
-                <a:spcPct val="130000"/>
-              </a:lnSpc>
-            </a:pPr>
-            <a:r>
-              <a:rPr lang="zh-CN" altLang="en-US" sz="1400" dirty="0">
-                <a:solidFill>
-                  <a:schemeClr val="bg1">
-                    <a:lumMod val="50000"/>
-                  </a:schemeClr>
-                </a:solidFill>
-                <a:latin typeface="微软雅黑" panose="020B0503020204020204" charset="-122"/>
-                <a:ea typeface="微软雅黑" panose="020B0503020204020204" charset="-122"/>
-              </a:rPr>
-              <a:t>开发设备费用，操作系统费用，开发工具费用，服务器费用，以及使用的各类框架等费用。</a:t>
-            </a:r>
-            <a:endParaRPr lang="en-US" altLang="zh-CN" sz="1400" dirty="0">
-              <a:solidFill>
-                <a:schemeClr val="bg1">
-                  <a:lumMod val="50000"/>
-                </a:schemeClr>
-              </a:solidFill>
-              <a:latin typeface="微软雅黑" panose="020B0503020204020204" charset="-122"/>
-              <a:ea typeface="微软雅黑" panose="020B0503020204020204" charset="-122"/>
-            </a:endParaRPr>
-          </a:p>
-          <a:p>
-            <a:pPr lvl="0">
-              <a:lnSpc>
-                <a:spcPct val="130000"/>
-              </a:lnSpc>
-            </a:pPr>
-            <a:endParaRPr lang="en-US" altLang="zh-CN" sz="1400" dirty="0">
-              <a:solidFill>
-                <a:schemeClr val="bg1">
-                  <a:lumMod val="50000"/>
-                </a:schemeClr>
-              </a:solidFill>
-              <a:latin typeface="微软雅黑" panose="020B0503020204020204" charset="-122"/>
-              <a:ea typeface="微软雅黑" panose="020B0503020204020204" charset="-122"/>
-            </a:endParaRPr>
-          </a:p>
-          <a:p>
-            <a:pPr lvl="0">
-              <a:lnSpc>
-                <a:spcPct val="130000"/>
-              </a:lnSpc>
-            </a:pPr>
-            <a:r>
-              <a:rPr lang="zh-CN" altLang="en-US" sz="1400" dirty="0">
-                <a:solidFill>
-                  <a:schemeClr val="bg1">
-                    <a:lumMod val="50000"/>
-                  </a:schemeClr>
-                </a:solidFill>
-                <a:latin typeface="微软雅黑" panose="020B0503020204020204" charset="-122"/>
-                <a:ea typeface="微软雅黑" panose="020B0503020204020204" charset="-122"/>
-              </a:rPr>
-              <a:t>成本总计不超过四千元</a:t>
-            </a:r>
-            <a:endParaRPr lang="zh-CN" altLang="en-US" sz="1400" dirty="0">
-              <a:solidFill>
-                <a:schemeClr val="bg1">
-                  <a:lumMod val="50000"/>
-                </a:schemeClr>
-              </a:solidFill>
-              <a:latin typeface="微软雅黑" panose="020B0503020204020204" charset="-122"/>
-              <a:ea typeface="微软雅黑" panose="020B0503020204020204" charset="-122"/>
-            </a:endParaRPr>
-          </a:p>
-        </p:txBody>
-      </p:sp>
-      <p:sp>
-        <p:nvSpPr>
-          <p:cNvPr id="121" name="矩形 120"/>
-          <p:cNvSpPr/>
-          <p:nvPr/>
-        </p:nvSpPr>
-        <p:spPr>
-          <a:xfrm>
-            <a:off x="7048951" y="913880"/>
-            <a:ext cx="1082348" cy="307777"/>
-          </a:xfrm>
-          <a:prstGeom prst="rect">
-            <a:avLst/>
-          </a:prstGeom>
-        </p:spPr>
-        <p:txBody>
-          <a:bodyPr wrap="none">
-            <a:spAutoFit/>
-          </a:bodyPr>
-          <a:lstStyle/>
-          <a:p>
-            <a:r>
-              <a:rPr lang="zh-CN" altLang="en-US" sz="1400" b="1" dirty="0"/>
-              <a:t>经济可行性</a:t>
-            </a:r>
-            <a:endParaRPr lang="zh-CN" altLang="en-US" sz="1400" b="1" dirty="0"/>
-          </a:p>
-        </p:txBody>
-      </p:sp>
-      <p:grpSp>
-        <p:nvGrpSpPr>
-          <p:cNvPr id="130" name="组合 129"/>
-          <p:cNvGrpSpPr/>
-          <p:nvPr/>
-        </p:nvGrpSpPr>
-        <p:grpSpPr>
-          <a:xfrm>
-            <a:off x="281504" y="3990084"/>
-            <a:ext cx="4980129" cy="2566085"/>
-            <a:chOff x="1356175" y="1093399"/>
-            <a:chExt cx="2300757" cy="1589432"/>
-          </a:xfrm>
-        </p:grpSpPr>
-        <p:sp>
-          <p:nvSpPr>
-            <p:cNvPr id="131" name="矩形 130"/>
-            <p:cNvSpPr/>
-            <p:nvPr/>
-          </p:nvSpPr>
-          <p:spPr>
-            <a:xfrm>
-              <a:off x="1368667" y="1118935"/>
-              <a:ext cx="2268157" cy="1549546"/>
-            </a:xfrm>
-            <a:prstGeom prst="rect">
+            <a:prstGeom prst="triangle">
               <a:avLst/>
             </a:prstGeom>
             <a:noFill/>
             <a:ln>
               <a:solidFill>
                 <a:schemeClr val="bg1">
-                  <a:lumMod val="75000"/>
+                  <a:lumMod val="85000"/>
                 </a:schemeClr>
               </a:solidFill>
             </a:ln>
@@ -5326,26 +4204,25 @@
         </p:sp>
         <p:sp>
           <p:nvSpPr>
-            <p:cNvPr id="132" name="椭圆 131"/>
+            <p:cNvPr id="16" name="等腰三角形 15"/>
             <p:cNvSpPr/>
             <p:nvPr/>
           </p:nvSpPr>
           <p:spPr>
             <a:xfrm>
-              <a:off x="1356175" y="1093399"/>
-              <a:ext cx="38888" cy="38888"/>
+              <a:off x="9588500" y="2158337"/>
+              <a:ext cx="1056391" cy="910682"/>
             </a:xfrm>
-            <a:prstGeom prst="ellipse">
+            <a:prstGeom prst="triangle">
               <a:avLst/>
             </a:prstGeom>
-            <a:solidFill>
-              <a:schemeClr val="tx1">
-                <a:lumMod val="65000"/>
-                <a:lumOff val="35000"/>
-              </a:schemeClr>
-            </a:solidFill>
+            <a:noFill/>
             <a:ln>
-              <a:noFill/>
+              <a:solidFill>
+                <a:schemeClr val="bg1">
+                  <a:lumMod val="85000"/>
+                </a:schemeClr>
+              </a:solidFill>
             </a:ln>
           </p:spPr>
           <p:style>
@@ -5377,26 +4254,25 @@
         </p:sp>
         <p:sp>
           <p:nvSpPr>
-            <p:cNvPr id="133" name="椭圆 132"/>
+            <p:cNvPr id="17" name="等腰三角形 16"/>
             <p:cNvSpPr/>
             <p:nvPr/>
           </p:nvSpPr>
           <p:spPr>
             <a:xfrm>
-              <a:off x="1356175" y="2643943"/>
-              <a:ext cx="38888" cy="38888"/>
+              <a:off x="10655300" y="2158337"/>
+              <a:ext cx="1056391" cy="910682"/>
             </a:xfrm>
-            <a:prstGeom prst="ellipse">
+            <a:prstGeom prst="triangle">
               <a:avLst/>
             </a:prstGeom>
-            <a:solidFill>
-              <a:schemeClr val="tx1">
-                <a:lumMod val="65000"/>
-                <a:lumOff val="35000"/>
-              </a:schemeClr>
-            </a:solidFill>
+            <a:noFill/>
             <a:ln>
-              <a:noFill/>
+              <a:solidFill>
+                <a:schemeClr val="bg1">
+                  <a:lumMod val="85000"/>
+                </a:schemeClr>
+              </a:solidFill>
             </a:ln>
           </p:spPr>
           <p:style>
@@ -5428,26 +4304,25 @@
         </p:sp>
         <p:sp>
           <p:nvSpPr>
-            <p:cNvPr id="134" name="椭圆 133"/>
+            <p:cNvPr id="18" name="等腰三角形 17"/>
             <p:cNvSpPr/>
             <p:nvPr/>
           </p:nvSpPr>
           <p:spPr>
             <a:xfrm>
-              <a:off x="3618044" y="2643943"/>
-              <a:ext cx="38888" cy="38888"/>
+              <a:off x="11722100" y="2158337"/>
+              <a:ext cx="1056391" cy="910682"/>
             </a:xfrm>
-            <a:prstGeom prst="ellipse">
+            <a:prstGeom prst="triangle">
               <a:avLst/>
             </a:prstGeom>
-            <a:solidFill>
-              <a:schemeClr val="tx1">
-                <a:lumMod val="65000"/>
-                <a:lumOff val="35000"/>
-              </a:schemeClr>
-            </a:solidFill>
+            <a:noFill/>
             <a:ln>
-              <a:noFill/>
+              <a:solidFill>
+                <a:schemeClr val="bg1">
+                  <a:lumMod val="85000"/>
+                </a:schemeClr>
+              </a:solidFill>
             </a:ln>
           </p:spPr>
           <p:style>
@@ -5477,68 +4352,52 @@
             </a:p>
           </p:txBody>
         </p:sp>
-        <p:sp>
-          <p:nvSpPr>
-            <p:cNvPr id="135" name="椭圆 134"/>
-            <p:cNvSpPr/>
+        <p:cxnSp>
+          <p:nvCxnSpPr>
+            <p:cNvPr id="20" name="直接连接符 19"/>
+            <p:cNvCxnSpPr/>
             <p:nvPr/>
-          </p:nvSpPr>
+          </p:nvCxnSpPr>
           <p:spPr>
             <a:xfrm>
-              <a:off x="3617381" y="1098493"/>
-              <a:ext cx="38888" cy="38888"/>
+              <a:off x="0" y="3060294"/>
+              <a:ext cx="12778491" cy="0"/>
             </a:xfrm>
-            <a:prstGeom prst="ellipse">
+            <a:prstGeom prst="line">
               <a:avLst/>
             </a:prstGeom>
-            <a:solidFill>
-              <a:schemeClr val="tx1">
-                <a:lumMod val="65000"/>
-                <a:lumOff val="35000"/>
-              </a:schemeClr>
-            </a:solidFill>
-            <a:ln>
-              <a:noFill/>
+            <a:ln w="38100">
+              <a:solidFill>
+                <a:schemeClr val="bg1"/>
+              </a:solidFill>
             </a:ln>
           </p:spPr>
           <p:style>
-            <a:lnRef idx="2">
-              <a:schemeClr val="accent1">
-                <a:shade val="50000"/>
-              </a:schemeClr>
+            <a:lnRef idx="1">
+              <a:schemeClr val="accent1"/>
             </a:lnRef>
-            <a:fillRef idx="1">
+            <a:fillRef idx="0">
               <a:schemeClr val="accent1"/>
             </a:fillRef>
             <a:effectRef idx="0">
               <a:schemeClr val="accent1"/>
             </a:effectRef>
             <a:fontRef idx="minor">
-              <a:schemeClr val="lt1"/>
+              <a:schemeClr val="tx1"/>
             </a:fontRef>
           </p:style>
-          <p:txBody>
-            <a:bodyPr rot="0" spcFirstLastPara="0" vertOverflow="overflow" horzOverflow="overflow" vert="horz" wrap="square" lIns="91440" tIns="45720" rIns="91440" bIns="45720" numCol="1" spcCol="0" rtlCol="0" fromWordArt="0" anchor="ctr" anchorCtr="0" forceAA="0" compatLnSpc="1">
-              <a:noAutofit/>
-            </a:bodyPr>
-            <a:lstStyle/>
-            <a:p>
-              <a:pPr algn="ctr"/>
-              <a:endParaRPr lang="zh-CN" altLang="en-US"/>
-            </a:p>
-          </p:txBody>
-        </p:sp>
+        </p:cxnSp>
       </p:grpSp>
       <p:sp>
         <p:nvSpPr>
-          <p:cNvPr id="136" name="矩形 135"/>
+          <p:cNvPr id="121" name="矩形 120"/>
           <p:cNvSpPr/>
           <p:nvPr/>
         </p:nvSpPr>
         <p:spPr>
           <a:xfrm>
-            <a:off x="373831" y="4152099"/>
-            <a:ext cx="1071880" cy="306705"/>
+            <a:off x="199841" y="1057390"/>
+            <a:ext cx="10197465" cy="5077460"/>
           </a:xfrm>
           <a:prstGeom prst="rect">
             <a:avLst/>
@@ -5550,77 +4409,432 @@
           </a:bodyPr>
           <a:lstStyle/>
           <a:p>
-            <a:r>
-              <a:rPr lang="zh-CN" altLang="en-US" sz="1400" b="1" dirty="0"/>
-              <a:t>法律</a:t>
-            </a:r>
-            <a:r>
-              <a:rPr lang="zh-CN" altLang="en-US" sz="1400" b="1" dirty="0"/>
-              <a:t>可行性</a:t>
-            </a:r>
-            <a:endParaRPr lang="zh-CN" altLang="en-US" sz="1400" b="1" dirty="0"/>
+            <a:pPr algn="l"/>
+            <a:r>
+              <a:rPr lang="zh-CN" altLang="en-US" b="1" dirty="0"/>
+              <a:t>1. javaagent</a:t>
+            </a:r>
+            <a:endParaRPr lang="zh-CN" altLang="en-US" b="1" dirty="0"/>
+          </a:p>
+          <a:p>
+            <a:pPr algn="l"/>
+            <a:r>
+              <a:rPr lang="zh-CN" altLang="en-US" b="1" dirty="0"/>
+              <a:t>        由于对字节码修改功能的巨大需求，JDK 从 JDK5 版本开始引入了java.lang.instrument 包。</a:t>
+            </a:r>
+            <a:endParaRPr lang="zh-CN" altLang="en-US" b="1" dirty="0"/>
+          </a:p>
+          <a:p>
+            <a:pPr algn="l"/>
+            <a:r>
+              <a:rPr lang="zh-CN" altLang="en-US" b="1" dirty="0"/>
+              <a:t> 基本的思路是在 JVM 启动的时候添加一个代理，每个代理是一个 jar 包，其 MANIFEST.MF 文件</a:t>
+            </a:r>
+            <a:endParaRPr lang="zh-CN" altLang="en-US" b="1" dirty="0"/>
+          </a:p>
+          <a:p>
+            <a:pPr algn="l"/>
+            <a:r>
+              <a:rPr lang="zh-CN" altLang="en-US" b="1" dirty="0"/>
+              <a:t> 里指定了代理类，这个代理类包含一个 premain 方法。JVM 在类加载时候会先执行代理类的 </a:t>
+            </a:r>
+            <a:endParaRPr lang="zh-CN" altLang="en-US" b="1" dirty="0"/>
+          </a:p>
+          <a:p>
+            <a:pPr algn="l"/>
+            <a:r>
+              <a:rPr lang="zh-CN" altLang="en-US" b="1" dirty="0"/>
+              <a:t> premain 方法，再执行 Java 程序本身的 main 方法，这就是 premain 名字的来源。在 premain </a:t>
+            </a:r>
+            <a:endParaRPr lang="zh-CN" altLang="en-US" b="1" dirty="0"/>
+          </a:p>
+          <a:p>
+            <a:pPr algn="l"/>
+            <a:r>
+              <a:rPr lang="zh-CN" altLang="en-US" b="1" dirty="0"/>
+              <a:t> 方法中可以对加载前的 class 文件进行修改。JDK6 还允许 JVM 在启动之后动态添加代理。</a:t>
+            </a:r>
+            <a:endParaRPr lang="zh-CN" altLang="en-US" b="1" dirty="0"/>
+          </a:p>
+          <a:p>
+            <a:pPr algn="l"/>
+            <a:endParaRPr lang="zh-CN" altLang="en-US" b="1" dirty="0"/>
+          </a:p>
+          <a:p>
+            <a:pPr algn="l"/>
+            <a:r>
+              <a:rPr lang="zh-CN" altLang="en-US" b="1" dirty="0"/>
+              <a:t>2. ASM</a:t>
+            </a:r>
+            <a:endParaRPr lang="zh-CN" altLang="en-US" b="1" dirty="0"/>
+          </a:p>
+          <a:p>
+            <a:pPr algn="l"/>
+            <a:r>
+              <a:rPr lang="zh-CN" altLang="en-US" b="1" dirty="0"/>
+              <a:t>       ASM 是一个 Java 字节码操控框架。它能被用来动态生成类或者增强既有类的功能。ASM </a:t>
+            </a:r>
+            <a:endParaRPr lang="zh-CN" altLang="en-US" b="1" dirty="0"/>
+          </a:p>
+          <a:p>
+            <a:pPr algn="l"/>
+            <a:r>
+              <a:rPr lang="zh-CN" altLang="en-US" b="1" dirty="0"/>
+              <a:t>可以直接产生二进制 class 文件，也可以在类被加载入 Java 虚拟机之前动态改变类行为。Java class</a:t>
+            </a:r>
+            <a:endParaRPr lang="zh-CN" altLang="en-US" b="1" dirty="0"/>
+          </a:p>
+          <a:p>
+            <a:pPr algn="l"/>
+            <a:r>
+              <a:rPr lang="zh-CN" altLang="en-US" b="1" dirty="0"/>
+              <a:t> 被存储在严格格式定义的 .class 文件里，这些类文件拥有足够的元数据来解析类中的所有元素：</a:t>
+            </a:r>
+            <a:endParaRPr lang="zh-CN" altLang="en-US" b="1" dirty="0"/>
+          </a:p>
+          <a:p>
+            <a:pPr algn="l"/>
+            <a:r>
+              <a:rPr lang="zh-CN" altLang="en-US" b="1" dirty="0"/>
+              <a:t>类名称、方法、属性以及 Java 字节码（指令）。ASM 从类文件中读入信息后，能够改变类行为，</a:t>
+            </a:r>
+            <a:endParaRPr lang="zh-CN" altLang="en-US" b="1" dirty="0"/>
+          </a:p>
+          <a:p>
+            <a:pPr algn="l"/>
+            <a:r>
+              <a:rPr lang="zh-CN" altLang="en-US" b="1" dirty="0"/>
+              <a:t>分析类信息，甚至能够根据用户要求生成新类。</a:t>
+            </a:r>
+            <a:endParaRPr lang="zh-CN" altLang="en-US" b="1" dirty="0"/>
+          </a:p>
+          <a:p>
+            <a:pPr algn="l"/>
+            <a:r>
+              <a:rPr lang="zh-CN" altLang="en-US" b="1" dirty="0"/>
+              <a:t>    [ASM官网](https://asm.ow2.io/)</a:t>
+            </a:r>
+            <a:endParaRPr lang="zh-CN" altLang="en-US" b="1" dirty="0"/>
+          </a:p>
+          <a:p>
+            <a:pPr algn="l"/>
+            <a:r>
+              <a:rPr lang="zh-CN" altLang="en-US" b="1" dirty="0"/>
+              <a:t>    [ASM文档](https://asm.ow2.io/developer-guide.html)</a:t>
+            </a:r>
+            <a:endParaRPr lang="zh-CN" altLang="en-US" b="1" dirty="0"/>
+          </a:p>
+          <a:p>
+            <a:pPr algn="l"/>
+            <a:endParaRPr lang="zh-CN" altLang="en-US" b="1" dirty="0"/>
+          </a:p>
+          <a:p>
+            <a:pPr algn="l"/>
+            <a:r>
+              <a:rPr lang="zh-CN" altLang="en-US" b="1" dirty="0"/>
+              <a:t>3. byte buddy</a:t>
+            </a:r>
+            <a:endParaRPr lang="zh-CN" altLang="en-US" b="1" dirty="0"/>
+          </a:p>
+          <a:p>
+            <a:pPr algn="l"/>
+            <a:r>
+              <a:rPr lang="zh-CN" altLang="en-US" b="1" dirty="0"/>
+              <a:t>4. javassist </a:t>
+            </a:r>
+            <a:endParaRPr lang="zh-CN" altLang="en-US" b="1" dirty="0"/>
           </a:p>
         </p:txBody>
       </p:sp>
+      <p:grpSp>
+        <p:nvGrpSpPr>
+          <p:cNvPr id="4" name="组合 3"/>
+          <p:cNvGrpSpPr/>
+          <p:nvPr/>
+        </p:nvGrpSpPr>
+        <p:grpSpPr>
+          <a:xfrm>
+            <a:off x="342900" y="484505"/>
+            <a:ext cx="2065655" cy="509905"/>
+            <a:chOff x="888096" y="1000203"/>
+            <a:chExt cx="4259825" cy="944066"/>
+          </a:xfrm>
+        </p:grpSpPr>
+        <p:sp>
+          <p:nvSpPr>
+            <p:cNvPr id="7" name="矩形 6"/>
+            <p:cNvSpPr/>
+            <p:nvPr/>
+          </p:nvSpPr>
+          <p:spPr>
+            <a:xfrm>
+              <a:off x="911225" y="1045634"/>
+              <a:ext cx="4199467" cy="872066"/>
+            </a:xfrm>
+            <a:prstGeom prst="rect">
+              <a:avLst/>
+            </a:prstGeom>
+            <a:noFill/>
+            <a:ln>
+              <a:solidFill>
+                <a:schemeClr val="bg1">
+                  <a:lumMod val="75000"/>
+                </a:schemeClr>
+              </a:solidFill>
+            </a:ln>
+          </p:spPr>
+          <p:style>
+            <a:lnRef idx="2">
+              <a:schemeClr val="accent1">
+                <a:shade val="50000"/>
+              </a:schemeClr>
+            </a:lnRef>
+            <a:fillRef idx="1">
+              <a:schemeClr val="accent1"/>
+            </a:fillRef>
+            <a:effectRef idx="0">
+              <a:schemeClr val="accent1"/>
+            </a:effectRef>
+            <a:fontRef idx="minor">
+              <a:schemeClr val="lt1"/>
+            </a:fontRef>
+          </p:style>
+          <p:txBody>
+            <a:bodyPr rot="0" spcFirstLastPara="0" vertOverflow="overflow" horzOverflow="overflow" vert="horz" wrap="square" lIns="91440" tIns="45720" rIns="91440" bIns="45720" numCol="1" spcCol="0" rtlCol="0" fromWordArt="0" anchor="ctr" anchorCtr="0" forceAA="0" compatLnSpc="1">
+              <a:noAutofit/>
+            </a:bodyPr>
+            <a:p>
+              <a:pPr algn="ctr"/>
+              <a:endParaRPr lang="zh-CN" altLang="en-US"/>
+            </a:p>
+          </p:txBody>
+        </p:sp>
+        <p:sp>
+          <p:nvSpPr>
+            <p:cNvPr id="19" name="椭圆 18"/>
+            <p:cNvSpPr/>
+            <p:nvPr/>
+          </p:nvSpPr>
+          <p:spPr>
+            <a:xfrm>
+              <a:off x="888096" y="1000203"/>
+              <a:ext cx="72000" cy="72000"/>
+            </a:xfrm>
+            <a:prstGeom prst="ellipse">
+              <a:avLst/>
+            </a:prstGeom>
+            <a:solidFill>
+              <a:schemeClr val="tx1">
+                <a:lumMod val="65000"/>
+                <a:lumOff val="35000"/>
+              </a:schemeClr>
+            </a:solidFill>
+            <a:ln>
+              <a:noFill/>
+            </a:ln>
+          </p:spPr>
+          <p:style>
+            <a:lnRef idx="2">
+              <a:schemeClr val="accent1">
+                <a:shade val="50000"/>
+              </a:schemeClr>
+            </a:lnRef>
+            <a:fillRef idx="1">
+              <a:schemeClr val="accent1"/>
+            </a:fillRef>
+            <a:effectRef idx="0">
+              <a:schemeClr val="accent1"/>
+            </a:effectRef>
+            <a:fontRef idx="minor">
+              <a:schemeClr val="lt1"/>
+            </a:fontRef>
+          </p:style>
+          <p:txBody>
+            <a:bodyPr rot="0" spcFirstLastPara="0" vertOverflow="overflow" horzOverflow="overflow" vert="horz" wrap="square" lIns="91440" tIns="45720" rIns="91440" bIns="45720" numCol="1" spcCol="0" rtlCol="0" fromWordArt="0" anchor="ctr" anchorCtr="0" forceAA="0" compatLnSpc="1">
+              <a:noAutofit/>
+            </a:bodyPr>
+            <a:p>
+              <a:pPr algn="ctr"/>
+              <a:endParaRPr lang="zh-CN" altLang="en-US"/>
+            </a:p>
+          </p:txBody>
+        </p:sp>
+        <p:sp>
+          <p:nvSpPr>
+            <p:cNvPr id="21" name="椭圆 20"/>
+            <p:cNvSpPr/>
+            <p:nvPr/>
+          </p:nvSpPr>
+          <p:spPr>
+            <a:xfrm>
+              <a:off x="888096" y="1872269"/>
+              <a:ext cx="72000" cy="72000"/>
+            </a:xfrm>
+            <a:prstGeom prst="ellipse">
+              <a:avLst/>
+            </a:prstGeom>
+            <a:solidFill>
+              <a:schemeClr val="tx1">
+                <a:lumMod val="65000"/>
+                <a:lumOff val="35000"/>
+              </a:schemeClr>
+            </a:solidFill>
+            <a:ln>
+              <a:noFill/>
+            </a:ln>
+          </p:spPr>
+          <p:style>
+            <a:lnRef idx="2">
+              <a:schemeClr val="accent1">
+                <a:shade val="50000"/>
+              </a:schemeClr>
+            </a:lnRef>
+            <a:fillRef idx="1">
+              <a:schemeClr val="accent1"/>
+            </a:fillRef>
+            <a:effectRef idx="0">
+              <a:schemeClr val="accent1"/>
+            </a:effectRef>
+            <a:fontRef idx="minor">
+              <a:schemeClr val="lt1"/>
+            </a:fontRef>
+          </p:style>
+          <p:txBody>
+            <a:bodyPr rot="0" spcFirstLastPara="0" vertOverflow="overflow" horzOverflow="overflow" vert="horz" wrap="square" lIns="91440" tIns="45720" rIns="91440" bIns="45720" numCol="1" spcCol="0" rtlCol="0" fromWordArt="0" anchor="ctr" anchorCtr="0" forceAA="0" compatLnSpc="1">
+              <a:noAutofit/>
+            </a:bodyPr>
+            <a:p>
+              <a:pPr algn="ctr"/>
+              <a:endParaRPr lang="zh-CN" altLang="en-US"/>
+            </a:p>
+          </p:txBody>
+        </p:sp>
+        <p:sp>
+          <p:nvSpPr>
+            <p:cNvPr id="36" name="椭圆 35"/>
+            <p:cNvSpPr/>
+            <p:nvPr/>
+          </p:nvSpPr>
+          <p:spPr>
+            <a:xfrm>
+              <a:off x="5075921" y="1872269"/>
+              <a:ext cx="72000" cy="72000"/>
+            </a:xfrm>
+            <a:prstGeom prst="ellipse">
+              <a:avLst/>
+            </a:prstGeom>
+            <a:solidFill>
+              <a:schemeClr val="tx1">
+                <a:lumMod val="65000"/>
+                <a:lumOff val="35000"/>
+              </a:schemeClr>
+            </a:solidFill>
+            <a:ln>
+              <a:noFill/>
+            </a:ln>
+          </p:spPr>
+          <p:style>
+            <a:lnRef idx="2">
+              <a:schemeClr val="accent1">
+                <a:shade val="50000"/>
+              </a:schemeClr>
+            </a:lnRef>
+            <a:fillRef idx="1">
+              <a:schemeClr val="accent1"/>
+            </a:fillRef>
+            <a:effectRef idx="0">
+              <a:schemeClr val="accent1"/>
+            </a:effectRef>
+            <a:fontRef idx="minor">
+              <a:schemeClr val="lt1"/>
+            </a:fontRef>
+          </p:style>
+          <p:txBody>
+            <a:bodyPr rot="0" spcFirstLastPara="0" vertOverflow="overflow" horzOverflow="overflow" vert="horz" wrap="square" lIns="91440" tIns="45720" rIns="91440" bIns="45720" numCol="1" spcCol="0" rtlCol="0" fromWordArt="0" anchor="ctr" anchorCtr="0" forceAA="0" compatLnSpc="1">
+              <a:noAutofit/>
+            </a:bodyPr>
+            <a:p>
+              <a:pPr algn="ctr"/>
+              <a:endParaRPr lang="zh-CN" altLang="en-US"/>
+            </a:p>
+          </p:txBody>
+        </p:sp>
+        <p:sp>
+          <p:nvSpPr>
+            <p:cNvPr id="37" name="椭圆 36"/>
+            <p:cNvSpPr/>
+            <p:nvPr/>
+          </p:nvSpPr>
+          <p:spPr>
+            <a:xfrm>
+              <a:off x="5074692" y="1009634"/>
+              <a:ext cx="72000" cy="72000"/>
+            </a:xfrm>
+            <a:prstGeom prst="ellipse">
+              <a:avLst/>
+            </a:prstGeom>
+            <a:solidFill>
+              <a:schemeClr val="tx1">
+                <a:lumMod val="65000"/>
+                <a:lumOff val="35000"/>
+              </a:schemeClr>
+            </a:solidFill>
+            <a:ln>
+              <a:noFill/>
+            </a:ln>
+          </p:spPr>
+          <p:style>
+            <a:lnRef idx="2">
+              <a:schemeClr val="accent1">
+                <a:shade val="50000"/>
+              </a:schemeClr>
+            </a:lnRef>
+            <a:fillRef idx="1">
+              <a:schemeClr val="accent1"/>
+            </a:fillRef>
+            <a:effectRef idx="0">
+              <a:schemeClr val="accent1"/>
+            </a:effectRef>
+            <a:fontRef idx="minor">
+              <a:schemeClr val="lt1"/>
+            </a:fontRef>
+          </p:style>
+          <p:txBody>
+            <a:bodyPr rot="0" spcFirstLastPara="0" vertOverflow="overflow" horzOverflow="overflow" vert="horz" wrap="square" lIns="91440" tIns="45720" rIns="91440" bIns="45720" numCol="1" spcCol="0" rtlCol="0" fromWordArt="0" anchor="ctr" anchorCtr="0" forceAA="0" compatLnSpc="1">
+              <a:noAutofit/>
+            </a:bodyPr>
+            <a:p>
+              <a:pPr algn="ctr"/>
+              <a:endParaRPr lang="zh-CN" altLang="en-US"/>
+            </a:p>
+          </p:txBody>
+        </p:sp>
+      </p:grpSp>
       <p:sp>
         <p:nvSpPr>
-          <p:cNvPr id="137" name="矩形 136"/>
+          <p:cNvPr id="38" name="矩形 37"/>
           <p:cNvSpPr/>
           <p:nvPr/>
         </p:nvSpPr>
         <p:spPr>
           <a:xfrm>
-            <a:off x="387438" y="4486313"/>
-            <a:ext cx="4748775" cy="932563"/>
+            <a:off x="469566" y="560457"/>
+            <a:ext cx="2011680" cy="368300"/>
           </a:xfrm>
           <a:prstGeom prst="rect">
             <a:avLst/>
           </a:prstGeom>
         </p:spPr>
         <p:txBody>
-          <a:bodyPr wrap="square">
+          <a:bodyPr wrap="none">
             <a:spAutoFit/>
           </a:bodyPr>
-          <a:lstStyle/>
-          <a:p>
-            <a:pPr>
-              <a:lnSpc>
-                <a:spcPct val="130000"/>
-              </a:lnSpc>
-            </a:pPr>
-            <a:r>
-              <a:rPr lang="zh-CN" altLang="zh-CN" sz="1400" dirty="0">
-                <a:solidFill>
-                  <a:schemeClr val="bg1">
-                    <a:lumMod val="50000"/>
-                  </a:schemeClr>
-                </a:solidFill>
-                <a:latin typeface="微软雅黑" panose="020B0503020204020204" charset="-122"/>
-                <a:ea typeface="微软雅黑" panose="020B0503020204020204" charset="-122"/>
-              </a:rPr>
-              <a:t>本项目完全自主开发，使用到技术手段均是开源免费的产品，因此不存在任何版权问题，同时在开发的过程严格遵守各项法律法规，严格遵各项规章制度</a:t>
-            </a:r>
-            <a:r>
-              <a:rPr lang="zh-CN" altLang="en-US" sz="1400" dirty="0">
-                <a:solidFill>
-                  <a:schemeClr val="bg1">
-                    <a:lumMod val="50000"/>
-                  </a:schemeClr>
-                </a:solidFill>
-                <a:latin typeface="微软雅黑" panose="020B0503020204020204" charset="-122"/>
-                <a:ea typeface="微软雅黑" panose="020B0503020204020204" charset="-122"/>
-              </a:rPr>
-              <a:t>。</a:t>
-            </a:r>
-            <a:endParaRPr lang="zh-CN" altLang="en-US" sz="1400" dirty="0">
-              <a:solidFill>
-                <a:schemeClr val="bg1">
-                  <a:lumMod val="50000"/>
-                </a:schemeClr>
-              </a:solidFill>
-              <a:latin typeface="微软雅黑" panose="020B0503020204020204" charset="-122"/>
-              <a:ea typeface="微软雅黑" panose="020B0503020204020204" charset="-122"/>
-            </a:endParaRPr>
+          <a:p>
+            <a:r>
+              <a:rPr lang="zh-CN" altLang="en-US" dirty="0"/>
+              <a:t>字节码修改的库：</a:t>
+            </a:r>
+            <a:endParaRPr lang="zh-CN" altLang="en-US" dirty="0"/>
           </a:p>
         </p:txBody>
       </p:sp>
@@ -5644,7 +4858,7 @@
 </p:sld>
 </file>
 
-<file path=ppt/slides/slide14.xml><?xml version="1.0" encoding="utf-8"?>
+<file path=ppt/slides/slide16.xml><?xml version="1.0" encoding="utf-8"?>
 <p:sld xmlns:a="http://schemas.openxmlformats.org/drawingml/2006/main" xmlns:r="http://schemas.openxmlformats.org/officeDocument/2006/relationships" xmlns:p="http://schemas.openxmlformats.org/presentationml/2006/main">
   <p:cSld>
     <p:spTree>
@@ -6826,6 +6040,103 @@
           </a:prstGeom>
         </p:spPr>
       </p:pic>
+      <p:pic>
+        <p:nvPicPr>
+          <p:cNvPr id="3" name="图片 2"/>
+          <p:cNvPicPr>
+            <a:picLocks noChangeAspect="1"/>
+          </p:cNvPicPr>
+          <p:nvPr/>
+        </p:nvPicPr>
+        <p:blipFill>
+          <a:blip r:embed="rId2"/>
+          <a:stretch>
+            <a:fillRect/>
+          </a:stretch>
+        </p:blipFill>
+        <p:spPr>
+          <a:xfrm>
+            <a:off x="424180" y="975360"/>
+            <a:ext cx="4781550" cy="1943100"/>
+          </a:xfrm>
+          <a:prstGeom prst="rect">
+            <a:avLst/>
+          </a:prstGeom>
+        </p:spPr>
+      </p:pic>
+      <p:sp>
+        <p:nvSpPr>
+          <p:cNvPr id="5" name="矩形 4"/>
+          <p:cNvSpPr/>
+          <p:nvPr/>
+        </p:nvSpPr>
+        <p:spPr>
+          <a:xfrm>
+            <a:off x="424180" y="3434080"/>
+            <a:ext cx="4791075" cy="398780"/>
+          </a:xfrm>
+          <a:prstGeom prst="rect">
+            <a:avLst/>
+          </a:prstGeom>
+        </p:spPr>
+        <p:txBody>
+          <a:bodyPr wrap="square">
+            <a:spAutoFit/>
+          </a:bodyPr>
+          <a:p>
+            <a:r>
+              <a:rPr lang="en-US" altLang="zh-CN" sz="2000" dirty="0"/>
+              <a:t>    </a:t>
+            </a:r>
+            <a:endParaRPr dirty="0"/>
+          </a:p>
+        </p:txBody>
+      </p:sp>
+      <p:sp>
+        <p:nvSpPr>
+          <p:cNvPr id="7" name="文本框 6"/>
+          <p:cNvSpPr txBox="1"/>
+          <p:nvPr/>
+        </p:nvSpPr>
+        <p:spPr>
+          <a:xfrm>
+            <a:off x="494030" y="3434080"/>
+            <a:ext cx="4165600" cy="645160"/>
+          </a:xfrm>
+          <a:prstGeom prst="rect">
+            <a:avLst/>
+          </a:prstGeom>
+          <a:noFill/>
+        </p:spPr>
+        <p:txBody>
+          <a:bodyPr wrap="square" rtlCol="0">
+            <a:spAutoFit/>
+          </a:bodyPr>
+          <a:p>
+            <a:r>
+              <a:rPr lang="zh-CN" altLang="en-US"/>
+              <a:t>右边是上面的代码使用</a:t>
+            </a:r>
+            <a:r>
+              <a:rPr lang="en-US" altLang="zh-CN"/>
+              <a:t>javac </a:t>
+            </a:r>
+            <a:r>
+              <a:rPr lang="zh-CN" altLang="en-US"/>
+              <a:t>编译后的 </a:t>
+            </a:r>
+            <a:r>
+              <a:rPr lang="en-US" altLang="zh-CN"/>
+              <a:t>class</a:t>
+            </a:r>
+            <a:r>
+              <a:rPr lang="zh-CN" altLang="en-US"/>
+              <a:t>文件的二进制</a:t>
+            </a:r>
+            <a:endParaRPr lang="zh-CN" altLang="en-US"/>
+          </a:p>
+        </p:txBody>
+      </p:sp>
     </p:spTree>
   </p:cSld>
   <p:clrMapOvr>

--- a/bytecode/bytecode.pptx
+++ b/bytecode/bytecode.pptx
@@ -5,7 +5,7 @@
     <p:sldMasterId id="2147483648" r:id="rId1"/>
   </p:sldMasterIdLst>
   <p:notesMasterIdLst>
-    <p:notesMasterId r:id="rId19"/>
+    <p:notesMasterId r:id="rId20"/>
   </p:notesMasterIdLst>
   <p:sldIdLst>
     <p:sldId id="259" r:id="rId3"/>
@@ -23,7 +23,8 @@
     <p:sldId id="267" r:id="rId15"/>
     <p:sldId id="276" r:id="rId16"/>
     <p:sldId id="335" r:id="rId17"/>
-    <p:sldId id="272" r:id="rId18"/>
+    <p:sldId id="339" r:id="rId18"/>
+    <p:sldId id="272" r:id="rId19"/>
   </p:sldIdLst>
   <p:sldSz cx="12192000" cy="6858000"/>
   <p:notesSz cx="6858000" cy="9144000"/>
@@ -3696,8 +3697,8 @@
         </p:nvGrpSpPr>
         <p:grpSpPr>
           <a:xfrm>
-            <a:off x="-211666" y="2980040"/>
-            <a:ext cx="12778491" cy="912541"/>
+            <a:off x="120015" y="2980055"/>
+            <a:ext cx="11892280" cy="912495"/>
             <a:chOff x="0" y="2158337"/>
             <a:chExt cx="12778491" cy="912541"/>
           </a:xfrm>
@@ -4859,6 +4860,1213 @@
 </file>
 
 <file path=ppt/slides/slide16.xml><?xml version="1.0" encoding="utf-8"?>
+<p:sld xmlns:a="http://schemas.openxmlformats.org/drawingml/2006/main" xmlns:r="http://schemas.openxmlformats.org/officeDocument/2006/relationships" xmlns:p="http://schemas.openxmlformats.org/presentationml/2006/main">
+  <p:cSld>
+    <p:spTree>
+      <p:nvGrpSpPr>
+        <p:cNvPr id="1" name=""/>
+        <p:cNvGrpSpPr/>
+        <p:nvPr/>
+      </p:nvGrpSpPr>
+      <p:grpSpPr>
+        <a:xfrm>
+          <a:off x="0" y="0"/>
+          <a:ext cx="0" cy="0"/>
+          <a:chOff x="0" y="0"/>
+          <a:chExt cx="0" cy="0"/>
+        </a:xfrm>
+      </p:grpSpPr>
+      <p:sp>
+        <p:nvSpPr>
+          <p:cNvPr id="2" name="矩形 1"/>
+          <p:cNvSpPr/>
+          <p:nvPr/>
+        </p:nvSpPr>
+        <p:spPr>
+          <a:xfrm>
+            <a:off x="0" y="60523"/>
+            <a:ext cx="2030095" cy="306705"/>
+          </a:xfrm>
+          <a:prstGeom prst="rect">
+            <a:avLst/>
+          </a:prstGeom>
+        </p:spPr>
+        <p:txBody>
+          <a:bodyPr wrap="none">
+            <a:spAutoFit/>
+          </a:bodyPr>
+          <a:lstStyle/>
+          <a:p>
+            <a:r>
+              <a:rPr lang="en-US" altLang="zh-CN" sz="1400" b="1" dirty="0"/>
+              <a:t>PART TWO </a:t>
+            </a:r>
+            <a:r>
+              <a:rPr lang="zh-CN" altLang="en-US" sz="1400" b="1" dirty="0"/>
+              <a:t>字节码修改</a:t>
+            </a:r>
+            <a:endParaRPr lang="zh-CN" altLang="en-US" sz="1400" b="1" dirty="0"/>
+          </a:p>
+        </p:txBody>
+      </p:sp>
+      <p:sp>
+        <p:nvSpPr>
+          <p:cNvPr id="3" name="椭圆 2"/>
+          <p:cNvSpPr/>
+          <p:nvPr/>
+        </p:nvSpPr>
+        <p:spPr>
+          <a:xfrm>
+            <a:off x="2067703" y="157740"/>
+            <a:ext cx="130917" cy="113341"/>
+          </a:xfrm>
+          <a:prstGeom prst="ellipse">
+            <a:avLst/>
+          </a:prstGeom>
+          <a:solidFill>
+            <a:srgbClr val="FFC000"/>
+          </a:solidFill>
+          <a:ln>
+            <a:noFill/>
+          </a:ln>
+        </p:spPr>
+        <p:style>
+          <a:lnRef idx="2">
+            <a:schemeClr val="accent1">
+              <a:shade val="50000"/>
+            </a:schemeClr>
+          </a:lnRef>
+          <a:fillRef idx="1">
+            <a:schemeClr val="accent1"/>
+          </a:fillRef>
+          <a:effectRef idx="0">
+            <a:schemeClr val="accent1"/>
+          </a:effectRef>
+          <a:fontRef idx="minor">
+            <a:schemeClr val="lt1"/>
+          </a:fontRef>
+        </p:style>
+        <p:txBody>
+          <a:bodyPr rot="0" spcFirstLastPara="0" vertOverflow="overflow" horzOverflow="overflow" vert="horz" wrap="square" lIns="91440" tIns="45720" rIns="91440" bIns="45720" numCol="1" spcCol="0" rtlCol="0" fromWordArt="0" anchor="ctr" anchorCtr="0" forceAA="0" compatLnSpc="1">
+            <a:noAutofit/>
+          </a:bodyPr>
+          <a:lstStyle/>
+          <a:p>
+            <a:pPr algn="ctr"/>
+            <a:endParaRPr lang="zh-CN" altLang="en-US" sz="4400"/>
+          </a:p>
+        </p:txBody>
+      </p:sp>
+      <p:grpSp>
+        <p:nvGrpSpPr>
+          <p:cNvPr id="22" name="组合 21"/>
+          <p:cNvGrpSpPr/>
+          <p:nvPr/>
+        </p:nvGrpSpPr>
+        <p:grpSpPr>
+          <a:xfrm>
+            <a:off x="265430" y="2884805"/>
+            <a:ext cx="11720830" cy="912495"/>
+            <a:chOff x="0" y="2158337"/>
+            <a:chExt cx="12778491" cy="912541"/>
+          </a:xfrm>
+        </p:grpSpPr>
+        <p:sp>
+          <p:nvSpPr>
+            <p:cNvPr id="5" name="矩形 4"/>
+            <p:cNvSpPr/>
+            <p:nvPr/>
+          </p:nvSpPr>
+          <p:spPr>
+            <a:xfrm>
+              <a:off x="211666" y="2513302"/>
+              <a:ext cx="12192000" cy="211078"/>
+            </a:xfrm>
+            <a:prstGeom prst="rect">
+              <a:avLst/>
+            </a:prstGeom>
+            <a:solidFill>
+              <a:schemeClr val="bg1">
+                <a:lumMod val="95000"/>
+              </a:schemeClr>
+            </a:solidFill>
+            <a:ln>
+              <a:noFill/>
+            </a:ln>
+          </p:spPr>
+          <p:style>
+            <a:lnRef idx="2">
+              <a:schemeClr val="accent1">
+                <a:shade val="50000"/>
+              </a:schemeClr>
+            </a:lnRef>
+            <a:fillRef idx="1">
+              <a:schemeClr val="accent1"/>
+            </a:fillRef>
+            <a:effectRef idx="0">
+              <a:schemeClr val="accent1"/>
+            </a:effectRef>
+            <a:fontRef idx="minor">
+              <a:schemeClr val="lt1"/>
+            </a:fontRef>
+          </p:style>
+          <p:txBody>
+            <a:bodyPr rot="0" spcFirstLastPara="0" vertOverflow="overflow" horzOverflow="overflow" vert="horz" wrap="square" lIns="91440" tIns="45720" rIns="91440" bIns="45720" numCol="1" spcCol="0" rtlCol="0" fromWordArt="0" anchor="ctr" anchorCtr="0" forceAA="0" compatLnSpc="1">
+              <a:noAutofit/>
+            </a:bodyPr>
+            <a:lstStyle/>
+            <a:p>
+              <a:pPr algn="ctr"/>
+              <a:endParaRPr lang="zh-CN" altLang="en-US" dirty="0"/>
+            </a:p>
+          </p:txBody>
+        </p:sp>
+        <p:sp>
+          <p:nvSpPr>
+            <p:cNvPr id="6" name="等腰三角形 5"/>
+            <p:cNvSpPr/>
+            <p:nvPr/>
+          </p:nvSpPr>
+          <p:spPr>
+            <a:xfrm>
+              <a:off x="0" y="2160196"/>
+              <a:ext cx="1056391" cy="910682"/>
+            </a:xfrm>
+            <a:prstGeom prst="triangle">
+              <a:avLst/>
+            </a:prstGeom>
+            <a:noFill/>
+            <a:ln>
+              <a:solidFill>
+                <a:schemeClr val="bg1">
+                  <a:lumMod val="85000"/>
+                </a:schemeClr>
+              </a:solidFill>
+            </a:ln>
+          </p:spPr>
+          <p:style>
+            <a:lnRef idx="2">
+              <a:schemeClr val="accent1">
+                <a:shade val="50000"/>
+              </a:schemeClr>
+            </a:lnRef>
+            <a:fillRef idx="1">
+              <a:schemeClr val="accent1"/>
+            </a:fillRef>
+            <a:effectRef idx="0">
+              <a:schemeClr val="accent1"/>
+            </a:effectRef>
+            <a:fontRef idx="minor">
+              <a:schemeClr val="lt1"/>
+            </a:fontRef>
+          </p:style>
+          <p:txBody>
+            <a:bodyPr rot="0" spcFirstLastPara="0" vertOverflow="overflow" horzOverflow="overflow" vert="horz" wrap="square" lIns="91440" tIns="45720" rIns="91440" bIns="45720" numCol="1" spcCol="0" rtlCol="0" fromWordArt="0" anchor="ctr" anchorCtr="0" forceAA="0" compatLnSpc="1">
+              <a:noAutofit/>
+            </a:bodyPr>
+            <a:lstStyle/>
+            <a:p>
+              <a:pPr algn="ctr"/>
+              <a:endParaRPr lang="zh-CN" altLang="en-US"/>
+            </a:p>
+          </p:txBody>
+        </p:sp>
+        <p:sp>
+          <p:nvSpPr>
+            <p:cNvPr id="8" name="等腰三角形 7"/>
+            <p:cNvSpPr/>
+            <p:nvPr/>
+          </p:nvSpPr>
+          <p:spPr>
+            <a:xfrm>
+              <a:off x="1056391" y="2160196"/>
+              <a:ext cx="1056391" cy="910682"/>
+            </a:xfrm>
+            <a:prstGeom prst="triangle">
+              <a:avLst/>
+            </a:prstGeom>
+            <a:noFill/>
+            <a:ln>
+              <a:solidFill>
+                <a:schemeClr val="bg1">
+                  <a:lumMod val="85000"/>
+                </a:schemeClr>
+              </a:solidFill>
+            </a:ln>
+          </p:spPr>
+          <p:style>
+            <a:lnRef idx="2">
+              <a:schemeClr val="accent1">
+                <a:shade val="50000"/>
+              </a:schemeClr>
+            </a:lnRef>
+            <a:fillRef idx="1">
+              <a:schemeClr val="accent1"/>
+            </a:fillRef>
+            <a:effectRef idx="0">
+              <a:schemeClr val="accent1"/>
+            </a:effectRef>
+            <a:fontRef idx="minor">
+              <a:schemeClr val="lt1"/>
+            </a:fontRef>
+          </p:style>
+          <p:txBody>
+            <a:bodyPr rot="0" spcFirstLastPara="0" vertOverflow="overflow" horzOverflow="overflow" vert="horz" wrap="square" lIns="91440" tIns="45720" rIns="91440" bIns="45720" numCol="1" spcCol="0" rtlCol="0" fromWordArt="0" anchor="ctr" anchorCtr="0" forceAA="0" compatLnSpc="1">
+              <a:noAutofit/>
+            </a:bodyPr>
+            <a:lstStyle/>
+            <a:p>
+              <a:pPr algn="ctr"/>
+              <a:endParaRPr lang="zh-CN" altLang="en-US"/>
+            </a:p>
+          </p:txBody>
+        </p:sp>
+        <p:sp>
+          <p:nvSpPr>
+            <p:cNvPr id="9" name="等腰三角形 8"/>
+            <p:cNvSpPr/>
+            <p:nvPr/>
+          </p:nvSpPr>
+          <p:spPr>
+            <a:xfrm>
+              <a:off x="2120900" y="2158337"/>
+              <a:ext cx="1056391" cy="910682"/>
+            </a:xfrm>
+            <a:prstGeom prst="triangle">
+              <a:avLst/>
+            </a:prstGeom>
+            <a:noFill/>
+            <a:ln>
+              <a:solidFill>
+                <a:schemeClr val="bg1">
+                  <a:lumMod val="85000"/>
+                </a:schemeClr>
+              </a:solidFill>
+            </a:ln>
+          </p:spPr>
+          <p:style>
+            <a:lnRef idx="2">
+              <a:schemeClr val="accent1">
+                <a:shade val="50000"/>
+              </a:schemeClr>
+            </a:lnRef>
+            <a:fillRef idx="1">
+              <a:schemeClr val="accent1"/>
+            </a:fillRef>
+            <a:effectRef idx="0">
+              <a:schemeClr val="accent1"/>
+            </a:effectRef>
+            <a:fontRef idx="minor">
+              <a:schemeClr val="lt1"/>
+            </a:fontRef>
+          </p:style>
+          <p:txBody>
+            <a:bodyPr rot="0" spcFirstLastPara="0" vertOverflow="overflow" horzOverflow="overflow" vert="horz" wrap="square" lIns="91440" tIns="45720" rIns="91440" bIns="45720" numCol="1" spcCol="0" rtlCol="0" fromWordArt="0" anchor="ctr" anchorCtr="0" forceAA="0" compatLnSpc="1">
+              <a:noAutofit/>
+            </a:bodyPr>
+            <a:lstStyle/>
+            <a:p>
+              <a:pPr algn="ctr"/>
+              <a:endParaRPr lang="zh-CN" altLang="en-US"/>
+            </a:p>
+          </p:txBody>
+        </p:sp>
+        <p:sp>
+          <p:nvSpPr>
+            <p:cNvPr id="10" name="等腰三角形 9"/>
+            <p:cNvSpPr/>
+            <p:nvPr/>
+          </p:nvSpPr>
+          <p:spPr>
+            <a:xfrm>
+              <a:off x="3187700" y="2158337"/>
+              <a:ext cx="1056391" cy="910682"/>
+            </a:xfrm>
+            <a:prstGeom prst="triangle">
+              <a:avLst/>
+            </a:prstGeom>
+            <a:noFill/>
+            <a:ln>
+              <a:solidFill>
+                <a:schemeClr val="bg1">
+                  <a:lumMod val="85000"/>
+                </a:schemeClr>
+              </a:solidFill>
+            </a:ln>
+          </p:spPr>
+          <p:style>
+            <a:lnRef idx="2">
+              <a:schemeClr val="accent1">
+                <a:shade val="50000"/>
+              </a:schemeClr>
+            </a:lnRef>
+            <a:fillRef idx="1">
+              <a:schemeClr val="accent1"/>
+            </a:fillRef>
+            <a:effectRef idx="0">
+              <a:schemeClr val="accent1"/>
+            </a:effectRef>
+            <a:fontRef idx="minor">
+              <a:schemeClr val="lt1"/>
+            </a:fontRef>
+          </p:style>
+          <p:txBody>
+            <a:bodyPr rot="0" spcFirstLastPara="0" vertOverflow="overflow" horzOverflow="overflow" vert="horz" wrap="square" lIns="91440" tIns="45720" rIns="91440" bIns="45720" numCol="1" spcCol="0" rtlCol="0" fromWordArt="0" anchor="ctr" anchorCtr="0" forceAA="0" compatLnSpc="1">
+              <a:noAutofit/>
+            </a:bodyPr>
+            <a:lstStyle/>
+            <a:p>
+              <a:pPr algn="ctr"/>
+              <a:endParaRPr lang="zh-CN" altLang="en-US"/>
+            </a:p>
+          </p:txBody>
+        </p:sp>
+        <p:sp>
+          <p:nvSpPr>
+            <p:cNvPr id="11" name="等腰三角形 10"/>
+            <p:cNvSpPr/>
+            <p:nvPr/>
+          </p:nvSpPr>
+          <p:spPr>
+            <a:xfrm>
+              <a:off x="4254500" y="2158337"/>
+              <a:ext cx="1056391" cy="910682"/>
+            </a:xfrm>
+            <a:prstGeom prst="triangle">
+              <a:avLst/>
+            </a:prstGeom>
+            <a:noFill/>
+            <a:ln>
+              <a:solidFill>
+                <a:schemeClr val="bg1">
+                  <a:lumMod val="85000"/>
+                </a:schemeClr>
+              </a:solidFill>
+            </a:ln>
+          </p:spPr>
+          <p:style>
+            <a:lnRef idx="2">
+              <a:schemeClr val="accent1">
+                <a:shade val="50000"/>
+              </a:schemeClr>
+            </a:lnRef>
+            <a:fillRef idx="1">
+              <a:schemeClr val="accent1"/>
+            </a:fillRef>
+            <a:effectRef idx="0">
+              <a:schemeClr val="accent1"/>
+            </a:effectRef>
+            <a:fontRef idx="minor">
+              <a:schemeClr val="lt1"/>
+            </a:fontRef>
+          </p:style>
+          <p:txBody>
+            <a:bodyPr rot="0" spcFirstLastPara="0" vertOverflow="overflow" horzOverflow="overflow" vert="horz" wrap="square" lIns="91440" tIns="45720" rIns="91440" bIns="45720" numCol="1" spcCol="0" rtlCol="0" fromWordArt="0" anchor="ctr" anchorCtr="0" forceAA="0" compatLnSpc="1">
+              <a:noAutofit/>
+            </a:bodyPr>
+            <a:lstStyle/>
+            <a:p>
+              <a:pPr algn="ctr"/>
+              <a:endParaRPr lang="zh-CN" altLang="en-US"/>
+            </a:p>
+          </p:txBody>
+        </p:sp>
+        <p:sp>
+          <p:nvSpPr>
+            <p:cNvPr id="12" name="等腰三角形 11"/>
+            <p:cNvSpPr/>
+            <p:nvPr/>
+          </p:nvSpPr>
+          <p:spPr>
+            <a:xfrm>
+              <a:off x="5321300" y="2158337"/>
+              <a:ext cx="1056391" cy="910682"/>
+            </a:xfrm>
+            <a:prstGeom prst="triangle">
+              <a:avLst/>
+            </a:prstGeom>
+            <a:noFill/>
+            <a:ln>
+              <a:solidFill>
+                <a:schemeClr val="bg1">
+                  <a:lumMod val="85000"/>
+                </a:schemeClr>
+              </a:solidFill>
+            </a:ln>
+          </p:spPr>
+          <p:style>
+            <a:lnRef idx="2">
+              <a:schemeClr val="accent1">
+                <a:shade val="50000"/>
+              </a:schemeClr>
+            </a:lnRef>
+            <a:fillRef idx="1">
+              <a:schemeClr val="accent1"/>
+            </a:fillRef>
+            <a:effectRef idx="0">
+              <a:schemeClr val="accent1"/>
+            </a:effectRef>
+            <a:fontRef idx="minor">
+              <a:schemeClr val="lt1"/>
+            </a:fontRef>
+          </p:style>
+          <p:txBody>
+            <a:bodyPr rot="0" spcFirstLastPara="0" vertOverflow="overflow" horzOverflow="overflow" vert="horz" wrap="square" lIns="91440" tIns="45720" rIns="91440" bIns="45720" numCol="1" spcCol="0" rtlCol="0" fromWordArt="0" anchor="ctr" anchorCtr="0" forceAA="0" compatLnSpc="1">
+              <a:noAutofit/>
+            </a:bodyPr>
+            <a:lstStyle/>
+            <a:p>
+              <a:pPr algn="ctr"/>
+              <a:endParaRPr lang="zh-CN" altLang="en-US"/>
+            </a:p>
+          </p:txBody>
+        </p:sp>
+        <p:sp>
+          <p:nvSpPr>
+            <p:cNvPr id="13" name="等腰三角形 12"/>
+            <p:cNvSpPr/>
+            <p:nvPr/>
+          </p:nvSpPr>
+          <p:spPr>
+            <a:xfrm>
+              <a:off x="6388100" y="2158337"/>
+              <a:ext cx="1056391" cy="910682"/>
+            </a:xfrm>
+            <a:prstGeom prst="triangle">
+              <a:avLst/>
+            </a:prstGeom>
+            <a:noFill/>
+            <a:ln>
+              <a:solidFill>
+                <a:schemeClr val="bg1">
+                  <a:lumMod val="85000"/>
+                </a:schemeClr>
+              </a:solidFill>
+            </a:ln>
+          </p:spPr>
+          <p:style>
+            <a:lnRef idx="2">
+              <a:schemeClr val="accent1">
+                <a:shade val="50000"/>
+              </a:schemeClr>
+            </a:lnRef>
+            <a:fillRef idx="1">
+              <a:schemeClr val="accent1"/>
+            </a:fillRef>
+            <a:effectRef idx="0">
+              <a:schemeClr val="accent1"/>
+            </a:effectRef>
+            <a:fontRef idx="minor">
+              <a:schemeClr val="lt1"/>
+            </a:fontRef>
+          </p:style>
+          <p:txBody>
+            <a:bodyPr rot="0" spcFirstLastPara="0" vertOverflow="overflow" horzOverflow="overflow" vert="horz" wrap="square" lIns="91440" tIns="45720" rIns="91440" bIns="45720" numCol="1" spcCol="0" rtlCol="0" fromWordArt="0" anchor="ctr" anchorCtr="0" forceAA="0" compatLnSpc="1">
+              <a:noAutofit/>
+            </a:bodyPr>
+            <a:lstStyle/>
+            <a:p>
+              <a:pPr algn="ctr"/>
+              <a:endParaRPr lang="zh-CN" altLang="en-US"/>
+            </a:p>
+          </p:txBody>
+        </p:sp>
+        <p:sp>
+          <p:nvSpPr>
+            <p:cNvPr id="14" name="等腰三角形 13"/>
+            <p:cNvSpPr/>
+            <p:nvPr/>
+          </p:nvSpPr>
+          <p:spPr>
+            <a:xfrm>
+              <a:off x="7454900" y="2158337"/>
+              <a:ext cx="1056391" cy="910682"/>
+            </a:xfrm>
+            <a:prstGeom prst="triangle">
+              <a:avLst/>
+            </a:prstGeom>
+            <a:noFill/>
+            <a:ln>
+              <a:solidFill>
+                <a:schemeClr val="bg1">
+                  <a:lumMod val="85000"/>
+                </a:schemeClr>
+              </a:solidFill>
+            </a:ln>
+          </p:spPr>
+          <p:style>
+            <a:lnRef idx="2">
+              <a:schemeClr val="accent1">
+                <a:shade val="50000"/>
+              </a:schemeClr>
+            </a:lnRef>
+            <a:fillRef idx="1">
+              <a:schemeClr val="accent1"/>
+            </a:fillRef>
+            <a:effectRef idx="0">
+              <a:schemeClr val="accent1"/>
+            </a:effectRef>
+            <a:fontRef idx="minor">
+              <a:schemeClr val="lt1"/>
+            </a:fontRef>
+          </p:style>
+          <p:txBody>
+            <a:bodyPr rot="0" spcFirstLastPara="0" vertOverflow="overflow" horzOverflow="overflow" vert="horz" wrap="square" lIns="91440" tIns="45720" rIns="91440" bIns="45720" numCol="1" spcCol="0" rtlCol="0" fromWordArt="0" anchor="ctr" anchorCtr="0" forceAA="0" compatLnSpc="1">
+              <a:noAutofit/>
+            </a:bodyPr>
+            <a:lstStyle/>
+            <a:p>
+              <a:pPr algn="ctr"/>
+              <a:endParaRPr lang="zh-CN" altLang="en-US"/>
+            </a:p>
+          </p:txBody>
+        </p:sp>
+        <p:sp>
+          <p:nvSpPr>
+            <p:cNvPr id="15" name="等腰三角形 14"/>
+            <p:cNvSpPr/>
+            <p:nvPr/>
+          </p:nvSpPr>
+          <p:spPr>
+            <a:xfrm>
+              <a:off x="8521700" y="2158337"/>
+              <a:ext cx="1056391" cy="910682"/>
+            </a:xfrm>
+            <a:prstGeom prst="triangle">
+              <a:avLst/>
+            </a:prstGeom>
+            <a:noFill/>
+            <a:ln>
+              <a:solidFill>
+                <a:schemeClr val="bg1">
+                  <a:lumMod val="85000"/>
+                </a:schemeClr>
+              </a:solidFill>
+            </a:ln>
+          </p:spPr>
+          <p:style>
+            <a:lnRef idx="2">
+              <a:schemeClr val="accent1">
+                <a:shade val="50000"/>
+              </a:schemeClr>
+            </a:lnRef>
+            <a:fillRef idx="1">
+              <a:schemeClr val="accent1"/>
+            </a:fillRef>
+            <a:effectRef idx="0">
+              <a:schemeClr val="accent1"/>
+            </a:effectRef>
+            <a:fontRef idx="minor">
+              <a:schemeClr val="lt1"/>
+            </a:fontRef>
+          </p:style>
+          <p:txBody>
+            <a:bodyPr rot="0" spcFirstLastPara="0" vertOverflow="overflow" horzOverflow="overflow" vert="horz" wrap="square" lIns="91440" tIns="45720" rIns="91440" bIns="45720" numCol="1" spcCol="0" rtlCol="0" fromWordArt="0" anchor="ctr" anchorCtr="0" forceAA="0" compatLnSpc="1">
+              <a:noAutofit/>
+            </a:bodyPr>
+            <a:lstStyle/>
+            <a:p>
+              <a:pPr algn="ctr"/>
+              <a:endParaRPr lang="zh-CN" altLang="en-US"/>
+            </a:p>
+          </p:txBody>
+        </p:sp>
+        <p:sp>
+          <p:nvSpPr>
+            <p:cNvPr id="16" name="等腰三角形 15"/>
+            <p:cNvSpPr/>
+            <p:nvPr/>
+          </p:nvSpPr>
+          <p:spPr>
+            <a:xfrm>
+              <a:off x="9588500" y="2158337"/>
+              <a:ext cx="1056391" cy="910682"/>
+            </a:xfrm>
+            <a:prstGeom prst="triangle">
+              <a:avLst/>
+            </a:prstGeom>
+            <a:noFill/>
+            <a:ln>
+              <a:solidFill>
+                <a:schemeClr val="bg1">
+                  <a:lumMod val="85000"/>
+                </a:schemeClr>
+              </a:solidFill>
+            </a:ln>
+          </p:spPr>
+          <p:style>
+            <a:lnRef idx="2">
+              <a:schemeClr val="accent1">
+                <a:shade val="50000"/>
+              </a:schemeClr>
+            </a:lnRef>
+            <a:fillRef idx="1">
+              <a:schemeClr val="accent1"/>
+            </a:fillRef>
+            <a:effectRef idx="0">
+              <a:schemeClr val="accent1"/>
+            </a:effectRef>
+            <a:fontRef idx="minor">
+              <a:schemeClr val="lt1"/>
+            </a:fontRef>
+          </p:style>
+          <p:txBody>
+            <a:bodyPr rot="0" spcFirstLastPara="0" vertOverflow="overflow" horzOverflow="overflow" vert="horz" wrap="square" lIns="91440" tIns="45720" rIns="91440" bIns="45720" numCol="1" spcCol="0" rtlCol="0" fromWordArt="0" anchor="ctr" anchorCtr="0" forceAA="0" compatLnSpc="1">
+              <a:noAutofit/>
+            </a:bodyPr>
+            <a:lstStyle/>
+            <a:p>
+              <a:pPr algn="ctr"/>
+              <a:endParaRPr lang="zh-CN" altLang="en-US"/>
+            </a:p>
+          </p:txBody>
+        </p:sp>
+        <p:sp>
+          <p:nvSpPr>
+            <p:cNvPr id="17" name="等腰三角形 16"/>
+            <p:cNvSpPr/>
+            <p:nvPr/>
+          </p:nvSpPr>
+          <p:spPr>
+            <a:xfrm>
+              <a:off x="10655300" y="2158337"/>
+              <a:ext cx="1056391" cy="910682"/>
+            </a:xfrm>
+            <a:prstGeom prst="triangle">
+              <a:avLst/>
+            </a:prstGeom>
+            <a:noFill/>
+            <a:ln>
+              <a:solidFill>
+                <a:schemeClr val="bg1">
+                  <a:lumMod val="85000"/>
+                </a:schemeClr>
+              </a:solidFill>
+            </a:ln>
+          </p:spPr>
+          <p:style>
+            <a:lnRef idx="2">
+              <a:schemeClr val="accent1">
+                <a:shade val="50000"/>
+              </a:schemeClr>
+            </a:lnRef>
+            <a:fillRef idx="1">
+              <a:schemeClr val="accent1"/>
+            </a:fillRef>
+            <a:effectRef idx="0">
+              <a:schemeClr val="accent1"/>
+            </a:effectRef>
+            <a:fontRef idx="minor">
+              <a:schemeClr val="lt1"/>
+            </a:fontRef>
+          </p:style>
+          <p:txBody>
+            <a:bodyPr rot="0" spcFirstLastPara="0" vertOverflow="overflow" horzOverflow="overflow" vert="horz" wrap="square" lIns="91440" tIns="45720" rIns="91440" bIns="45720" numCol="1" spcCol="0" rtlCol="0" fromWordArt="0" anchor="ctr" anchorCtr="0" forceAA="0" compatLnSpc="1">
+              <a:noAutofit/>
+            </a:bodyPr>
+            <a:lstStyle/>
+            <a:p>
+              <a:pPr algn="ctr"/>
+              <a:endParaRPr lang="zh-CN" altLang="en-US"/>
+            </a:p>
+          </p:txBody>
+        </p:sp>
+        <p:sp>
+          <p:nvSpPr>
+            <p:cNvPr id="18" name="等腰三角形 17"/>
+            <p:cNvSpPr/>
+            <p:nvPr/>
+          </p:nvSpPr>
+          <p:spPr>
+            <a:xfrm>
+              <a:off x="11722100" y="2158337"/>
+              <a:ext cx="1056391" cy="910682"/>
+            </a:xfrm>
+            <a:prstGeom prst="triangle">
+              <a:avLst/>
+            </a:prstGeom>
+            <a:noFill/>
+            <a:ln>
+              <a:solidFill>
+                <a:schemeClr val="bg1">
+                  <a:lumMod val="85000"/>
+                </a:schemeClr>
+              </a:solidFill>
+            </a:ln>
+          </p:spPr>
+          <p:style>
+            <a:lnRef idx="2">
+              <a:schemeClr val="accent1">
+                <a:shade val="50000"/>
+              </a:schemeClr>
+            </a:lnRef>
+            <a:fillRef idx="1">
+              <a:schemeClr val="accent1"/>
+            </a:fillRef>
+            <a:effectRef idx="0">
+              <a:schemeClr val="accent1"/>
+            </a:effectRef>
+            <a:fontRef idx="minor">
+              <a:schemeClr val="lt1"/>
+            </a:fontRef>
+          </p:style>
+          <p:txBody>
+            <a:bodyPr rot="0" spcFirstLastPara="0" vertOverflow="overflow" horzOverflow="overflow" vert="horz" wrap="square" lIns="91440" tIns="45720" rIns="91440" bIns="45720" numCol="1" spcCol="0" rtlCol="0" fromWordArt="0" anchor="ctr" anchorCtr="0" forceAA="0" compatLnSpc="1">
+              <a:noAutofit/>
+            </a:bodyPr>
+            <a:lstStyle/>
+            <a:p>
+              <a:pPr algn="ctr"/>
+              <a:endParaRPr lang="zh-CN" altLang="en-US"/>
+            </a:p>
+          </p:txBody>
+        </p:sp>
+        <p:cxnSp>
+          <p:nvCxnSpPr>
+            <p:cNvPr id="20" name="直接连接符 19"/>
+            <p:cNvCxnSpPr/>
+            <p:nvPr/>
+          </p:nvCxnSpPr>
+          <p:spPr>
+            <a:xfrm>
+              <a:off x="0" y="3060294"/>
+              <a:ext cx="12778491" cy="0"/>
+            </a:xfrm>
+            <a:prstGeom prst="line">
+              <a:avLst/>
+            </a:prstGeom>
+            <a:ln w="38100">
+              <a:solidFill>
+                <a:schemeClr val="bg1"/>
+              </a:solidFill>
+            </a:ln>
+          </p:spPr>
+          <p:style>
+            <a:lnRef idx="1">
+              <a:schemeClr val="accent1"/>
+            </a:lnRef>
+            <a:fillRef idx="0">
+              <a:schemeClr val="accent1"/>
+            </a:fillRef>
+            <a:effectRef idx="0">
+              <a:schemeClr val="accent1"/>
+            </a:effectRef>
+            <a:fontRef idx="minor">
+              <a:schemeClr val="tx1"/>
+            </a:fontRef>
+          </p:style>
+        </p:cxnSp>
+      </p:grpSp>
+      <p:grpSp>
+        <p:nvGrpSpPr>
+          <p:cNvPr id="4" name="组合 3"/>
+          <p:cNvGrpSpPr/>
+          <p:nvPr/>
+        </p:nvGrpSpPr>
+        <p:grpSpPr>
+          <a:xfrm>
+            <a:off x="342900" y="484505"/>
+            <a:ext cx="2065655" cy="509905"/>
+            <a:chOff x="888096" y="1000203"/>
+            <a:chExt cx="4259825" cy="944066"/>
+          </a:xfrm>
+        </p:grpSpPr>
+        <p:sp>
+          <p:nvSpPr>
+            <p:cNvPr id="7" name="矩形 6"/>
+            <p:cNvSpPr/>
+            <p:nvPr/>
+          </p:nvSpPr>
+          <p:spPr>
+            <a:xfrm>
+              <a:off x="911225" y="1045634"/>
+              <a:ext cx="4199467" cy="872066"/>
+            </a:xfrm>
+            <a:prstGeom prst="rect">
+              <a:avLst/>
+            </a:prstGeom>
+            <a:noFill/>
+            <a:ln>
+              <a:solidFill>
+                <a:schemeClr val="bg1">
+                  <a:lumMod val="75000"/>
+                </a:schemeClr>
+              </a:solidFill>
+            </a:ln>
+          </p:spPr>
+          <p:style>
+            <a:lnRef idx="2">
+              <a:schemeClr val="accent1">
+                <a:shade val="50000"/>
+              </a:schemeClr>
+            </a:lnRef>
+            <a:fillRef idx="1">
+              <a:schemeClr val="accent1"/>
+            </a:fillRef>
+            <a:effectRef idx="0">
+              <a:schemeClr val="accent1"/>
+            </a:effectRef>
+            <a:fontRef idx="minor">
+              <a:schemeClr val="lt1"/>
+            </a:fontRef>
+          </p:style>
+          <p:txBody>
+            <a:bodyPr rot="0" spcFirstLastPara="0" vertOverflow="overflow" horzOverflow="overflow" vert="horz" wrap="square" lIns="91440" tIns="45720" rIns="91440" bIns="45720" numCol="1" spcCol="0" rtlCol="0" fromWordArt="0" anchor="ctr" anchorCtr="0" forceAA="0" compatLnSpc="1">
+              <a:noAutofit/>
+            </a:bodyPr>
+            <a:p>
+              <a:pPr algn="ctr"/>
+              <a:endParaRPr lang="zh-CN" altLang="en-US"/>
+            </a:p>
+          </p:txBody>
+        </p:sp>
+        <p:sp>
+          <p:nvSpPr>
+            <p:cNvPr id="19" name="椭圆 18"/>
+            <p:cNvSpPr/>
+            <p:nvPr/>
+          </p:nvSpPr>
+          <p:spPr>
+            <a:xfrm>
+              <a:off x="888096" y="1000203"/>
+              <a:ext cx="72000" cy="72000"/>
+            </a:xfrm>
+            <a:prstGeom prst="ellipse">
+              <a:avLst/>
+            </a:prstGeom>
+            <a:solidFill>
+              <a:schemeClr val="tx1">
+                <a:lumMod val="65000"/>
+                <a:lumOff val="35000"/>
+              </a:schemeClr>
+            </a:solidFill>
+            <a:ln>
+              <a:noFill/>
+            </a:ln>
+          </p:spPr>
+          <p:style>
+            <a:lnRef idx="2">
+              <a:schemeClr val="accent1">
+                <a:shade val="50000"/>
+              </a:schemeClr>
+            </a:lnRef>
+            <a:fillRef idx="1">
+              <a:schemeClr val="accent1"/>
+            </a:fillRef>
+            <a:effectRef idx="0">
+              <a:schemeClr val="accent1"/>
+            </a:effectRef>
+            <a:fontRef idx="minor">
+              <a:schemeClr val="lt1"/>
+            </a:fontRef>
+          </p:style>
+          <p:txBody>
+            <a:bodyPr rot="0" spcFirstLastPara="0" vertOverflow="overflow" horzOverflow="overflow" vert="horz" wrap="square" lIns="91440" tIns="45720" rIns="91440" bIns="45720" numCol="1" spcCol="0" rtlCol="0" fromWordArt="0" anchor="ctr" anchorCtr="0" forceAA="0" compatLnSpc="1">
+              <a:noAutofit/>
+            </a:bodyPr>
+            <a:p>
+              <a:pPr algn="ctr"/>
+              <a:endParaRPr lang="zh-CN" altLang="en-US"/>
+            </a:p>
+          </p:txBody>
+        </p:sp>
+        <p:sp>
+          <p:nvSpPr>
+            <p:cNvPr id="21" name="椭圆 20"/>
+            <p:cNvSpPr/>
+            <p:nvPr/>
+          </p:nvSpPr>
+          <p:spPr>
+            <a:xfrm>
+              <a:off x="888096" y="1872269"/>
+              <a:ext cx="72000" cy="72000"/>
+            </a:xfrm>
+            <a:prstGeom prst="ellipse">
+              <a:avLst/>
+            </a:prstGeom>
+            <a:solidFill>
+              <a:schemeClr val="tx1">
+                <a:lumMod val="65000"/>
+                <a:lumOff val="35000"/>
+              </a:schemeClr>
+            </a:solidFill>
+            <a:ln>
+              <a:noFill/>
+            </a:ln>
+          </p:spPr>
+          <p:style>
+            <a:lnRef idx="2">
+              <a:schemeClr val="accent1">
+                <a:shade val="50000"/>
+              </a:schemeClr>
+            </a:lnRef>
+            <a:fillRef idx="1">
+              <a:schemeClr val="accent1"/>
+            </a:fillRef>
+            <a:effectRef idx="0">
+              <a:schemeClr val="accent1"/>
+            </a:effectRef>
+            <a:fontRef idx="minor">
+              <a:schemeClr val="lt1"/>
+            </a:fontRef>
+          </p:style>
+          <p:txBody>
+            <a:bodyPr rot="0" spcFirstLastPara="0" vertOverflow="overflow" horzOverflow="overflow" vert="horz" wrap="square" lIns="91440" tIns="45720" rIns="91440" bIns="45720" numCol="1" spcCol="0" rtlCol="0" fromWordArt="0" anchor="ctr" anchorCtr="0" forceAA="0" compatLnSpc="1">
+              <a:noAutofit/>
+            </a:bodyPr>
+            <a:p>
+              <a:pPr algn="ctr"/>
+              <a:endParaRPr lang="zh-CN" altLang="en-US"/>
+            </a:p>
+          </p:txBody>
+        </p:sp>
+        <p:sp>
+          <p:nvSpPr>
+            <p:cNvPr id="36" name="椭圆 35"/>
+            <p:cNvSpPr/>
+            <p:nvPr/>
+          </p:nvSpPr>
+          <p:spPr>
+            <a:xfrm>
+              <a:off x="5075921" y="1872269"/>
+              <a:ext cx="72000" cy="72000"/>
+            </a:xfrm>
+            <a:prstGeom prst="ellipse">
+              <a:avLst/>
+            </a:prstGeom>
+            <a:solidFill>
+              <a:schemeClr val="tx1">
+                <a:lumMod val="65000"/>
+                <a:lumOff val="35000"/>
+              </a:schemeClr>
+            </a:solidFill>
+            <a:ln>
+              <a:noFill/>
+            </a:ln>
+          </p:spPr>
+          <p:style>
+            <a:lnRef idx="2">
+              <a:schemeClr val="accent1">
+                <a:shade val="50000"/>
+              </a:schemeClr>
+            </a:lnRef>
+            <a:fillRef idx="1">
+              <a:schemeClr val="accent1"/>
+            </a:fillRef>
+            <a:effectRef idx="0">
+              <a:schemeClr val="accent1"/>
+            </a:effectRef>
+            <a:fontRef idx="minor">
+              <a:schemeClr val="lt1"/>
+            </a:fontRef>
+          </p:style>
+          <p:txBody>
+            <a:bodyPr rot="0" spcFirstLastPara="0" vertOverflow="overflow" horzOverflow="overflow" vert="horz" wrap="square" lIns="91440" tIns="45720" rIns="91440" bIns="45720" numCol="1" spcCol="0" rtlCol="0" fromWordArt="0" anchor="ctr" anchorCtr="0" forceAA="0" compatLnSpc="1">
+              <a:noAutofit/>
+            </a:bodyPr>
+            <a:p>
+              <a:pPr algn="ctr"/>
+              <a:endParaRPr lang="zh-CN" altLang="en-US"/>
+            </a:p>
+          </p:txBody>
+        </p:sp>
+        <p:sp>
+          <p:nvSpPr>
+            <p:cNvPr id="37" name="椭圆 36"/>
+            <p:cNvSpPr/>
+            <p:nvPr/>
+          </p:nvSpPr>
+          <p:spPr>
+            <a:xfrm>
+              <a:off x="5074692" y="1009634"/>
+              <a:ext cx="72000" cy="72000"/>
+            </a:xfrm>
+            <a:prstGeom prst="ellipse">
+              <a:avLst/>
+            </a:prstGeom>
+            <a:solidFill>
+              <a:schemeClr val="tx1">
+                <a:lumMod val="65000"/>
+                <a:lumOff val="35000"/>
+              </a:schemeClr>
+            </a:solidFill>
+            <a:ln>
+              <a:noFill/>
+            </a:ln>
+          </p:spPr>
+          <p:style>
+            <a:lnRef idx="2">
+              <a:schemeClr val="accent1">
+                <a:shade val="50000"/>
+              </a:schemeClr>
+            </a:lnRef>
+            <a:fillRef idx="1">
+              <a:schemeClr val="accent1"/>
+            </a:fillRef>
+            <a:effectRef idx="0">
+              <a:schemeClr val="accent1"/>
+            </a:effectRef>
+            <a:fontRef idx="minor">
+              <a:schemeClr val="lt1"/>
+            </a:fontRef>
+          </p:style>
+          <p:txBody>
+            <a:bodyPr rot="0" spcFirstLastPara="0" vertOverflow="overflow" horzOverflow="overflow" vert="horz" wrap="square" lIns="91440" tIns="45720" rIns="91440" bIns="45720" numCol="1" spcCol="0" rtlCol="0" fromWordArt="0" anchor="ctr" anchorCtr="0" forceAA="0" compatLnSpc="1">
+              <a:noAutofit/>
+            </a:bodyPr>
+            <a:p>
+              <a:pPr algn="ctr"/>
+              <a:endParaRPr lang="zh-CN" altLang="en-US"/>
+            </a:p>
+          </p:txBody>
+        </p:sp>
+      </p:grpSp>
+      <p:sp>
+        <p:nvSpPr>
+          <p:cNvPr id="38" name="矩形 37"/>
+          <p:cNvSpPr/>
+          <p:nvPr/>
+        </p:nvSpPr>
+        <p:spPr>
+          <a:xfrm>
+            <a:off x="469566" y="560457"/>
+            <a:ext cx="2240280" cy="368300"/>
+          </a:xfrm>
+          <a:prstGeom prst="rect">
+            <a:avLst/>
+          </a:prstGeom>
+        </p:spPr>
+        <p:txBody>
+          <a:bodyPr wrap="none">
+            <a:spAutoFit/>
+          </a:bodyPr>
+          <a:p>
+            <a:r>
+              <a:rPr lang="zh-CN" altLang="en-US" dirty="0"/>
+              <a:t>字节码修改的应用：</a:t>
+            </a:r>
+            <a:endParaRPr lang="zh-CN" altLang="en-US" dirty="0"/>
+          </a:p>
+        </p:txBody>
+      </p:sp>
+      <p:sp>
+        <p:nvSpPr>
+          <p:cNvPr id="23" name="矩形 22"/>
+          <p:cNvSpPr/>
+          <p:nvPr/>
+        </p:nvSpPr>
+        <p:spPr>
+          <a:xfrm>
+            <a:off x="405765" y="1610360"/>
+            <a:ext cx="2625725" cy="3169285"/>
+          </a:xfrm>
+          <a:prstGeom prst="rect">
+            <a:avLst/>
+          </a:prstGeom>
+        </p:spPr>
+        <p:txBody>
+          <a:bodyPr wrap="square">
+            <a:spAutoFit/>
+          </a:bodyPr>
+          <a:p>
+            <a:pPr algn="l"/>
+            <a:r>
+              <a:rPr lang="zh-CN" altLang="en-US" sz="2000" b="1" dirty="0"/>
+              <a:t>1. 代码生成</a:t>
+            </a:r>
+            <a:endParaRPr lang="zh-CN" altLang="en-US" sz="2000" b="1" dirty="0"/>
+          </a:p>
+          <a:p>
+            <a:pPr algn="l"/>
+            <a:r>
+              <a:rPr lang="zh-CN" altLang="en-US" sz="2000" b="1" dirty="0"/>
+              <a:t>   1. cglib</a:t>
+            </a:r>
+            <a:endParaRPr lang="zh-CN" altLang="en-US" sz="2000" b="1" dirty="0"/>
+          </a:p>
+          <a:p>
+            <a:pPr algn="l"/>
+            <a:r>
+              <a:rPr lang="zh-CN" altLang="en-US" sz="2000" b="1" dirty="0"/>
+              <a:t>   2. fastjson</a:t>
+            </a:r>
+            <a:endParaRPr lang="zh-CN" altLang="en-US" sz="2000" b="1" dirty="0"/>
+          </a:p>
+          <a:p>
+            <a:pPr algn="l"/>
+            <a:r>
+              <a:rPr lang="zh-CN" altLang="en-US" sz="2000" b="1" dirty="0"/>
+              <a:t>2. Aop</a:t>
+            </a:r>
+            <a:endParaRPr lang="zh-CN" altLang="en-US" sz="2000" b="1" dirty="0"/>
+          </a:p>
+          <a:p>
+            <a:pPr algn="l"/>
+            <a:r>
+              <a:rPr lang="zh-CN" altLang="en-US" sz="2000" b="1" dirty="0"/>
+              <a:t>   1. spring aop</a:t>
+            </a:r>
+            <a:endParaRPr lang="zh-CN" altLang="en-US" sz="2000" b="1" dirty="0"/>
+          </a:p>
+          <a:p>
+            <a:pPr algn="l"/>
+            <a:endParaRPr lang="zh-CN" altLang="en-US" sz="2000" b="1" dirty="0"/>
+          </a:p>
+          <a:p>
+            <a:pPr algn="l"/>
+            <a:r>
+              <a:rPr lang="zh-CN" altLang="en-US" sz="2000" b="1" dirty="0"/>
+              <a:t>3. 无侵入APM 监控</a:t>
+            </a:r>
+            <a:endParaRPr lang="zh-CN" altLang="en-US" sz="2000" b="1" dirty="0"/>
+          </a:p>
+          <a:p>
+            <a:pPr algn="l"/>
+            <a:r>
+              <a:rPr lang="zh-CN" altLang="en-US" sz="2000" b="1" dirty="0"/>
+              <a:t>   1. skywalking</a:t>
+            </a:r>
+            <a:endParaRPr lang="zh-CN" altLang="en-US" sz="2000" b="1" dirty="0"/>
+          </a:p>
+          <a:p>
+            <a:pPr algn="l"/>
+            <a:r>
+              <a:rPr lang="zh-CN" altLang="en-US" sz="2000" b="1" dirty="0"/>
+              <a:t>   2. arthas   </a:t>
+            </a:r>
+            <a:endParaRPr lang="zh-CN" altLang="en-US" sz="2000" b="1" dirty="0"/>
+          </a:p>
+          <a:p>
+            <a:pPr algn="l"/>
+            <a:r>
+              <a:rPr lang="zh-CN" altLang="en-US" sz="2000" b="1" dirty="0"/>
+              <a:t>4. 协程</a:t>
+            </a:r>
+            <a:endParaRPr lang="zh-CN" altLang="en-US" sz="2000" b="1" dirty="0"/>
+          </a:p>
+        </p:txBody>
+      </p:sp>
+    </p:spTree>
+  </p:cSld>
+  <p:clrMapOvr>
+    <a:masterClrMapping/>
+  </p:clrMapOvr>
+  <mc:AlternateContent xmlns:mc="http://schemas.openxmlformats.org/markup-compatibility/2006">
+    <mc:Choice xmlns:p14="http://schemas.microsoft.com/office/powerpoint/2010/main" Requires="p14">
+      <p:transition spd="med" p14:dur="700">
+        <p:fade/>
+      </p:transition>
+    </mc:Choice>
+    <mc:Fallback>
+      <p:transition spd="med">
+        <p:fade/>
+      </p:transition>
+    </mc:Fallback>
+  </mc:AlternateContent>
+</p:sld>
+</file>
+
+<file path=ppt/slides/slide17.xml><?xml version="1.0" encoding="utf-8"?>
 <p:sld xmlns:a="http://schemas.openxmlformats.org/drawingml/2006/main" xmlns:r="http://schemas.openxmlformats.org/officeDocument/2006/relationships" xmlns:p="http://schemas.openxmlformats.org/presentationml/2006/main">
   <p:cSld>
     <p:spTree>
